--- a/презентация.pptx
+++ b/презентация.pptx
@@ -8,8 +8,19 @@
     <p:sldId id="256" r:id="rId2"/>
     <p:sldId id="257" r:id="rId3"/>
     <p:sldId id="259" r:id="rId4"/>
-    <p:sldId id="258" r:id="rId5"/>
-    <p:sldId id="260" r:id="rId6"/>
+    <p:sldId id="265" r:id="rId5"/>
+    <p:sldId id="258" r:id="rId6"/>
+    <p:sldId id="261" r:id="rId7"/>
+    <p:sldId id="269" r:id="rId8"/>
+    <p:sldId id="270" r:id="rId9"/>
+    <p:sldId id="271" r:id="rId10"/>
+    <p:sldId id="272" r:id="rId11"/>
+    <p:sldId id="266" r:id="rId12"/>
+    <p:sldId id="267" r:id="rId13"/>
+    <p:sldId id="260" r:id="rId14"/>
+    <p:sldId id="262" r:id="rId15"/>
+    <p:sldId id="263" r:id="rId16"/>
+    <p:sldId id="264" r:id="rId17"/>
   </p:sldIdLst>
   <p:sldSz cx="9144000" cy="5143500" type="screen16x9"/>
   <p:notesSz cx="6858000" cy="9144000"/>
@@ -110,7 +121,7 @@
   </p:defaultTextStyle>
   <p:extLst>
     <p:ext uri="{EFAFB233-063F-42B5-8137-9DF3F51BA10A}">
-      <p15:sldGuideLst xmlns:p15="http://schemas.microsoft.com/office/powerpoint/2012/main">
+      <p15:sldGuideLst xmlns:p15="http://schemas.microsoft.com/office/powerpoint/2012/main" xmlns="">
         <p15:guide id="1" orient="horz" pos="1620">
           <p15:clr>
             <a:srgbClr val="A4A3A4"/>
@@ -541,7 +552,7 @@
           <a:p>
             <a:fld id="{69C6A866-0A23-491F-85A5-D120BEBA0BC2}" type="datetimeFigureOut">
               <a:rPr lang="en-US" smtClean="0"/>
-              <a:t>6/25/2017</a:t>
+              <a:t>6/26/2017</a:t>
             </a:fld>
             <a:endParaRPr lang="en-US"/>
           </a:p>
@@ -721,7 +732,7 @@
           <a:p>
             <a:fld id="{69C6A866-0A23-491F-85A5-D120BEBA0BC2}" type="datetimeFigureOut">
               <a:rPr lang="en-US" smtClean="0"/>
-              <a:t>6/25/2017</a:t>
+              <a:t>6/26/2017</a:t>
             </a:fld>
             <a:endParaRPr lang="en-US"/>
           </a:p>
@@ -891,7 +902,7 @@
           <a:p>
             <a:fld id="{69C6A866-0A23-491F-85A5-D120BEBA0BC2}" type="datetimeFigureOut">
               <a:rPr lang="en-US" smtClean="0"/>
-              <a:t>6/25/2017</a:t>
+              <a:t>6/26/2017</a:t>
             </a:fld>
             <a:endParaRPr lang="en-US"/>
           </a:p>
@@ -1137,7 +1148,7 @@
           <a:p>
             <a:fld id="{69C6A866-0A23-491F-85A5-D120BEBA0BC2}" type="datetimeFigureOut">
               <a:rPr lang="en-US" smtClean="0"/>
-              <a:t>6/25/2017</a:t>
+              <a:t>6/26/2017</a:t>
             </a:fld>
             <a:endParaRPr lang="en-US"/>
           </a:p>
@@ -1425,7 +1436,7 @@
           <a:p>
             <a:fld id="{69C6A866-0A23-491F-85A5-D120BEBA0BC2}" type="datetimeFigureOut">
               <a:rPr lang="en-US" smtClean="0"/>
-              <a:t>6/25/2017</a:t>
+              <a:t>6/26/2017</a:t>
             </a:fld>
             <a:endParaRPr lang="en-US"/>
           </a:p>
@@ -1847,7 +1858,7 @@
           <a:p>
             <a:fld id="{69C6A866-0A23-491F-85A5-D120BEBA0BC2}" type="datetimeFigureOut">
               <a:rPr lang="en-US" smtClean="0"/>
-              <a:t>6/25/2017</a:t>
+              <a:t>6/26/2017</a:t>
             </a:fld>
             <a:endParaRPr lang="en-US"/>
           </a:p>
@@ -1965,7 +1976,7 @@
           <a:p>
             <a:fld id="{69C6A866-0A23-491F-85A5-D120BEBA0BC2}" type="datetimeFigureOut">
               <a:rPr lang="en-US" smtClean="0"/>
-              <a:t>6/25/2017</a:t>
+              <a:t>6/26/2017</a:t>
             </a:fld>
             <a:endParaRPr lang="en-US"/>
           </a:p>
@@ -2060,7 +2071,7 @@
           <a:p>
             <a:fld id="{69C6A866-0A23-491F-85A5-D120BEBA0BC2}" type="datetimeFigureOut">
               <a:rPr lang="en-US" smtClean="0"/>
-              <a:t>6/25/2017</a:t>
+              <a:t>6/26/2017</a:t>
             </a:fld>
             <a:endParaRPr lang="en-US"/>
           </a:p>
@@ -2337,7 +2348,7 @@
           <a:p>
             <a:fld id="{69C6A866-0A23-491F-85A5-D120BEBA0BC2}" type="datetimeFigureOut">
               <a:rPr lang="en-US" smtClean="0"/>
-              <a:t>6/25/2017</a:t>
+              <a:t>6/26/2017</a:t>
             </a:fld>
             <a:endParaRPr lang="en-US"/>
           </a:p>
@@ -2590,7 +2601,7 @@
           <a:p>
             <a:fld id="{69C6A866-0A23-491F-85A5-D120BEBA0BC2}" type="datetimeFigureOut">
               <a:rPr lang="en-US" smtClean="0"/>
-              <a:t>6/25/2017</a:t>
+              <a:t>6/26/2017</a:t>
             </a:fld>
             <a:endParaRPr lang="en-US"/>
           </a:p>
@@ -2923,7 +2934,7 @@
             <a:fld id="{69C6A866-0A23-491F-85A5-D120BEBA0BC2}" type="datetimeFigureOut">
               <a:rPr lang="en-US" smtClean="0"/>
               <a:pPr/>
-              <a:t>6/25/2017</a:t>
+              <a:t>6/26/2017</a:t>
             </a:fld>
             <a:endParaRPr lang="en-US"/>
           </a:p>
@@ -3315,21 +3326,21 @@
         </p:nvSpPr>
         <p:spPr>
           <a:xfrm>
-            <a:off x="76200" y="895350"/>
-            <a:ext cx="3581400" cy="2057400"/>
+            <a:off x="-76200" y="895350"/>
+            <a:ext cx="3657600" cy="2057400"/>
           </a:xfrm>
         </p:spPr>
         <p:txBody>
           <a:bodyPr>
-            <a:normAutofit fontScale="90000"/>
+            <a:noAutofit/>
           </a:bodyPr>
           <a:lstStyle/>
           <a:p>
             <a:r>
-              <a:rPr lang="ru-RU" dirty="0" smtClean="0"/>
+              <a:rPr lang="ru-RU" sz="2450" dirty="0" smtClean="0"/>
               <a:t>МЕТОДИКА ПОИСКА ПАТТЕРНОВ ПАТОЛОГИЧЕСКОЙ АКТИВНОСТИ В МНОГОКАНАЛЬНЫХ СИГНАЛАХ ЭЭГ</a:t>
             </a:r>
-            <a:endParaRPr lang="en-US" dirty="0"/>
+            <a:endParaRPr lang="en-US" sz="2450" dirty="0"/>
           </a:p>
         </p:txBody>
       </p:sp>
@@ -3346,40 +3357,53 @@
         <p:spPr>
           <a:xfrm>
             <a:off x="76200" y="4019550"/>
-            <a:ext cx="4572000" cy="838200"/>
+            <a:ext cx="4572000" cy="990600"/>
           </a:xfrm>
         </p:spPr>
         <p:txBody>
           <a:bodyPr>
-            <a:normAutofit fontScale="85000" lnSpcReduction="20000"/>
+            <a:normAutofit/>
           </a:bodyPr>
           <a:lstStyle/>
           <a:p>
             <a:r>
-              <a:rPr lang="ru-RU" dirty="0" smtClean="0"/>
+              <a:rPr lang="ru-RU" sz="1400" dirty="0" smtClean="0"/>
               <a:t>Магистрант </a:t>
             </a:r>
             <a:r>
-              <a:rPr lang="ru-RU" dirty="0" err="1" smtClean="0"/>
+              <a:rPr lang="ru-RU" sz="1400" dirty="0" err="1" smtClean="0"/>
               <a:t>Змитрукевич</a:t>
             </a:r>
             <a:r>
-              <a:rPr lang="ru-RU" dirty="0" smtClean="0"/>
+              <a:rPr lang="ru-RU" sz="1400" dirty="0" smtClean="0"/>
               <a:t> Д.И.</a:t>
             </a:r>
           </a:p>
           <a:p>
             <a:r>
-              <a:rPr lang="ru-RU" dirty="0" smtClean="0"/>
-              <a:t>Научный руководитель Давыдов М.В.</a:t>
-            </a:r>
-          </a:p>
-          <a:p>
-            <a:r>
-              <a:rPr lang="ru-RU" dirty="0" smtClean="0"/>
-              <a:t>к.т.н., доцент</a:t>
-            </a:r>
-            <a:endParaRPr lang="en-US" dirty="0"/>
+              <a:rPr lang="ru-RU" sz="1400" dirty="0" smtClean="0"/>
+              <a:t>Научный руководитель </a:t>
+            </a:r>
+            <a:endParaRPr lang="en-US" sz="1400" dirty="0" smtClean="0"/>
+          </a:p>
+          <a:p>
+            <a:r>
+              <a:rPr lang="ru-RU" sz="1400" dirty="0" smtClean="0"/>
+              <a:t>Давыдов М.В.</a:t>
+            </a:r>
+            <a:r>
+              <a:rPr lang="ru-RU" sz="1400" dirty="0" smtClean="0"/>
+              <a:t>, </a:t>
+            </a:r>
+            <a:r>
+              <a:rPr lang="ru-RU" sz="1400" dirty="0" smtClean="0"/>
+              <a:t>к.т.н</a:t>
+            </a:r>
+            <a:r>
+              <a:rPr lang="ru-RU" sz="1400" dirty="0" smtClean="0"/>
+              <a:t>., доцент</a:t>
+            </a:r>
+            <a:endParaRPr lang="en-US" sz="1400" dirty="0"/>
           </a:p>
         </p:txBody>
       </p:sp>
@@ -3400,6 +3424,2102 @@
       </p:par>
     </p:tnLst>
   </p:timing>
+</p:sld>
+</file>
+
+<file path=ppt/slides/slide10.xml><?xml version="1.0" encoding="utf-8"?>
+<p:sld xmlns:a="http://schemas.openxmlformats.org/drawingml/2006/main" xmlns:r="http://schemas.openxmlformats.org/officeDocument/2006/relationships" xmlns:p="http://schemas.openxmlformats.org/presentationml/2006/main">
+  <p:cSld>
+    <p:spTree>
+      <p:nvGrpSpPr>
+        <p:cNvPr id="1" name=""/>
+        <p:cNvGrpSpPr/>
+        <p:nvPr/>
+      </p:nvGrpSpPr>
+      <p:grpSpPr>
+        <a:xfrm>
+          <a:off x="0" y="0"/>
+          <a:ext cx="0" cy="0"/>
+          <a:chOff x="0" y="0"/>
+          <a:chExt cx="0" cy="0"/>
+        </a:xfrm>
+      </p:grpSpPr>
+      <p:sp>
+        <p:nvSpPr>
+          <p:cNvPr id="3" name="Content Placeholder 2"/>
+          <p:cNvSpPr>
+            <a:spLocks noGrp="1"/>
+          </p:cNvSpPr>
+          <p:nvPr>
+            <p:ph idx="1"/>
+          </p:nvPr>
+        </p:nvSpPr>
+        <p:spPr>
+          <a:xfrm>
+            <a:off x="152400" y="1200150"/>
+            <a:ext cx="8763000" cy="3733799"/>
+          </a:xfrm>
+        </p:spPr>
+        <p:txBody>
+          <a:bodyPr>
+            <a:noAutofit/>
+          </a:bodyPr>
+          <a:lstStyle/>
+          <a:p>
+            <a:pPr marL="0" indent="0">
+              <a:buNone/>
+            </a:pPr>
+            <a:r>
+              <a:rPr lang="ru-RU" sz="2000" dirty="0"/>
+              <a:t>3. </a:t>
+            </a:r>
+            <a:r>
+              <a:rPr lang="ru-RU" sz="2000" dirty="0" err="1"/>
+              <a:t>Спайк</a:t>
+            </a:r>
+            <a:r>
+              <a:rPr lang="ru-RU" sz="2000" dirty="0"/>
+              <a:t> или пик ‑ это потенциал </a:t>
+            </a:r>
+            <a:r>
+              <a:rPr lang="ru-RU" sz="2000" dirty="0" err="1"/>
+              <a:t>пикообразной</a:t>
+            </a:r>
+            <a:r>
+              <a:rPr lang="ru-RU" sz="2000" dirty="0"/>
+              <a:t> формы. Продолжительность его 5‑50 </a:t>
+            </a:r>
+            <a:r>
+              <a:rPr lang="ru-RU" sz="2000" dirty="0" err="1" smtClean="0"/>
+              <a:t>мс</a:t>
+            </a:r>
+            <a:r>
+              <a:rPr lang="ru-RU" sz="2000" dirty="0" smtClean="0"/>
+              <a:t>.</a:t>
+            </a:r>
+            <a:endParaRPr lang="ru-RU" sz="2000" dirty="0"/>
+          </a:p>
+          <a:p>
+            <a:pPr marL="0" indent="0">
+              <a:buNone/>
+            </a:pPr>
+            <a:r>
+              <a:rPr lang="ru-RU" sz="2000" dirty="0"/>
+              <a:t>4. Медленный </a:t>
+            </a:r>
+            <a:r>
+              <a:rPr lang="ru-RU" sz="2000" dirty="0" err="1"/>
+              <a:t>спайк</a:t>
+            </a:r>
+            <a:r>
+              <a:rPr lang="ru-RU" sz="2000" dirty="0"/>
+              <a:t>. </a:t>
+            </a:r>
+            <a:endParaRPr lang="ru-RU" sz="2000" dirty="0" smtClean="0"/>
+          </a:p>
+          <a:p>
+            <a:pPr marL="0" indent="0">
+              <a:buNone/>
+            </a:pPr>
+            <a:r>
+              <a:rPr lang="ru-RU" sz="2000" dirty="0" smtClean="0"/>
+              <a:t>5</a:t>
+            </a:r>
+            <a:r>
+              <a:rPr lang="ru-RU" sz="2000" dirty="0"/>
+              <a:t>. Острая волна. Острые волны и пики чаще всего комбинируются с медленными волнами, образовывая стереотипный комплекс</a:t>
+            </a:r>
+          </a:p>
+          <a:p>
+            <a:pPr marL="0" indent="0">
+              <a:buNone/>
+            </a:pPr>
+            <a:r>
+              <a:rPr lang="ru-RU" sz="2000" dirty="0"/>
+              <a:t>6. Комплексы (</a:t>
+            </a:r>
+            <a:r>
+              <a:rPr lang="ru-RU" sz="2000" dirty="0" err="1"/>
+              <a:t>спайк</a:t>
+            </a:r>
+            <a:r>
+              <a:rPr lang="ru-RU" sz="2000" dirty="0"/>
+              <a:t>-волна, волна-</a:t>
+            </a:r>
+            <a:r>
+              <a:rPr lang="ru-RU" sz="2000" dirty="0" err="1"/>
+              <a:t>спайк</a:t>
+            </a:r>
+            <a:r>
+              <a:rPr lang="ru-RU" sz="2000" dirty="0"/>
+              <a:t>, пик-волна, волна-пик, медленный </a:t>
+            </a:r>
+            <a:r>
+              <a:rPr lang="ru-RU" sz="2000" dirty="0" err="1"/>
+              <a:t>спайк</a:t>
+            </a:r>
+            <a:r>
+              <a:rPr lang="ru-RU" sz="2000" dirty="0"/>
+              <a:t>-волна, волна-медленный </a:t>
+            </a:r>
+            <a:r>
+              <a:rPr lang="ru-RU" sz="2000" dirty="0" err="1" smtClean="0"/>
+              <a:t>спайк</a:t>
+            </a:r>
+            <a:r>
+              <a:rPr lang="ru-RU" sz="2000" dirty="0" smtClean="0"/>
+              <a:t> и др.). </a:t>
+            </a:r>
+          </a:p>
+          <a:p>
+            <a:pPr marL="0" indent="0">
+              <a:buNone/>
+            </a:pPr>
+            <a:r>
+              <a:rPr lang="ru-RU" sz="2000" dirty="0" smtClean="0"/>
+              <a:t>7</a:t>
+            </a:r>
+            <a:r>
+              <a:rPr lang="ru-RU" sz="2000" dirty="0"/>
+              <a:t>. Вспышка.</a:t>
+            </a:r>
+          </a:p>
+          <a:p>
+            <a:pPr marL="0" indent="0">
+              <a:buNone/>
+            </a:pPr>
+            <a:r>
+              <a:rPr lang="ru-RU" sz="2000" dirty="0"/>
+              <a:t>8. Пароксизм.</a:t>
+            </a:r>
+          </a:p>
+          <a:p>
+            <a:pPr marL="0" indent="0">
+              <a:buNone/>
+            </a:pPr>
+            <a:r>
+              <a:rPr lang="ru-RU" sz="2000" dirty="0"/>
+              <a:t>9. Вспышка </a:t>
+            </a:r>
+            <a:r>
+              <a:rPr lang="ru-RU" sz="2000" dirty="0" err="1"/>
+              <a:t>гиперсинхронизации</a:t>
+            </a:r>
+            <a:r>
+              <a:rPr lang="ru-RU" sz="2000" dirty="0"/>
+              <a:t>.</a:t>
+            </a:r>
+          </a:p>
+        </p:txBody>
+      </p:sp>
+      <p:sp>
+        <p:nvSpPr>
+          <p:cNvPr id="4" name="Заголовок 3"/>
+          <p:cNvSpPr>
+            <a:spLocks noGrp="1"/>
+          </p:cNvSpPr>
+          <p:nvPr>
+            <p:ph type="title"/>
+          </p:nvPr>
+        </p:nvSpPr>
+        <p:spPr/>
+        <p:txBody>
+          <a:bodyPr/>
+          <a:lstStyle/>
+          <a:p>
+            <a:endParaRPr lang="ru-RU"/>
+          </a:p>
+        </p:txBody>
+      </p:sp>
+    </p:spTree>
+    <p:extLst>
+      <p:ext uri="{BB962C8B-B14F-4D97-AF65-F5344CB8AC3E}">
+        <p14:creationId xmlns:p14="http://schemas.microsoft.com/office/powerpoint/2010/main" val="4192139800"/>
+      </p:ext>
+    </p:extLst>
+  </p:cSld>
+  <p:clrMapOvr>
+    <a:masterClrMapping/>
+  </p:clrMapOvr>
+</p:sld>
+</file>
+
+<file path=ppt/slides/slide11.xml><?xml version="1.0" encoding="utf-8"?>
+<p:sld xmlns:a="http://schemas.openxmlformats.org/drawingml/2006/main" xmlns:r="http://schemas.openxmlformats.org/officeDocument/2006/relationships" xmlns:p="http://schemas.openxmlformats.org/presentationml/2006/main">
+  <p:cSld>
+    <p:spTree>
+      <p:nvGrpSpPr>
+        <p:cNvPr id="1" name=""/>
+        <p:cNvGrpSpPr/>
+        <p:nvPr/>
+      </p:nvGrpSpPr>
+      <p:grpSpPr>
+        <a:xfrm>
+          <a:off x="0" y="0"/>
+          <a:ext cx="0" cy="0"/>
+          <a:chOff x="0" y="0"/>
+          <a:chExt cx="0" cy="0"/>
+        </a:xfrm>
+      </p:grpSpPr>
+      <p:sp>
+        <p:nvSpPr>
+          <p:cNvPr id="3" name="Content Placeholder 2"/>
+          <p:cNvSpPr>
+            <a:spLocks noGrp="1"/>
+          </p:cNvSpPr>
+          <p:nvPr>
+            <p:ph idx="1"/>
+          </p:nvPr>
+        </p:nvSpPr>
+        <p:spPr>
+          <a:xfrm>
+            <a:off x="457200" y="1200150"/>
+            <a:ext cx="8229600" cy="3733799"/>
+          </a:xfrm>
+        </p:spPr>
+        <p:txBody>
+          <a:bodyPr>
+            <a:normAutofit fontScale="92500" lnSpcReduction="10000"/>
+          </a:bodyPr>
+          <a:lstStyle/>
+          <a:p>
+            <a:pPr marL="0" indent="0" algn="just">
+              <a:buNone/>
+            </a:pPr>
+            <a:endParaRPr lang="ru-RU" dirty="0" smtClean="0"/>
+          </a:p>
+          <a:p>
+            <a:pPr marL="0" indent="0" algn="just">
+              <a:buNone/>
+            </a:pPr>
+            <a:r>
+              <a:rPr lang="ru-RU" dirty="0" smtClean="0"/>
+              <a:t>Существуют </a:t>
+            </a:r>
+            <a:r>
+              <a:rPr lang="ru-RU" dirty="0"/>
+              <a:t>два основных подхода к анализу ЭЭГ: </a:t>
+            </a:r>
+            <a:endParaRPr lang="ru-RU" dirty="0" smtClean="0"/>
+          </a:p>
+          <a:p>
+            <a:pPr marL="0" indent="0" algn="ctr">
+              <a:buNone/>
+            </a:pPr>
+            <a:r>
+              <a:rPr lang="ru-RU" dirty="0" smtClean="0"/>
+              <a:t>визуальный </a:t>
+            </a:r>
+            <a:r>
+              <a:rPr lang="ru-RU" dirty="0"/>
+              <a:t>(клинический) и </a:t>
+            </a:r>
+            <a:r>
+              <a:rPr lang="ru-RU" dirty="0" smtClean="0"/>
+              <a:t>статистический</a:t>
+            </a:r>
+          </a:p>
+          <a:p>
+            <a:pPr marL="0" indent="0" algn="ctr">
+              <a:buNone/>
+            </a:pPr>
+            <a:endParaRPr lang="ru-RU" dirty="0">
+              <a:solidFill>
+                <a:srgbClr val="FFFF00"/>
+              </a:solidFill>
+            </a:endParaRPr>
+          </a:p>
+          <a:p>
+            <a:pPr marL="0" indent="0" algn="just">
+              <a:buNone/>
+            </a:pPr>
+            <a:r>
+              <a:rPr lang="ru-RU" sz="1500" dirty="0"/>
+              <a:t>При визуальном анализе ЭЭГ врач, опираясь на доступные непосредственному наблюдению признаки ЭЭГ, выделяет характерные особенности ЭЭГ, отличающие данную запись от других ‑ оценивается выраженность и соотношение отдельных ритмических составляющих, соответствие общепринятым стандартам нормы и т.д</a:t>
+            </a:r>
+            <a:r>
+              <a:rPr lang="ru-RU" sz="1500" dirty="0" smtClean="0"/>
+              <a:t>. </a:t>
+            </a:r>
+            <a:r>
+              <a:rPr lang="ru-RU" sz="1600" dirty="0"/>
+              <a:t>Несмотря на принятые стандарты описания ЭЭГ, ее визуальная интерпретация в значительной степени зависит от опыта врача</a:t>
+            </a:r>
+            <a:endParaRPr lang="en-US" sz="1500" dirty="0">
+              <a:solidFill>
+                <a:srgbClr val="FFFF00"/>
+              </a:solidFill>
+            </a:endParaRPr>
+          </a:p>
+        </p:txBody>
+      </p:sp>
+      <p:sp>
+        <p:nvSpPr>
+          <p:cNvPr id="4" name="Заголовок 3"/>
+          <p:cNvSpPr>
+            <a:spLocks noGrp="1"/>
+          </p:cNvSpPr>
+          <p:nvPr>
+            <p:ph type="title"/>
+          </p:nvPr>
+        </p:nvSpPr>
+        <p:spPr/>
+        <p:txBody>
+          <a:bodyPr/>
+          <a:lstStyle/>
+          <a:p>
+            <a:endParaRPr lang="ru-RU"/>
+          </a:p>
+        </p:txBody>
+      </p:sp>
+    </p:spTree>
+    <p:extLst>
+      <p:ext uri="{BB962C8B-B14F-4D97-AF65-F5344CB8AC3E}">
+        <p14:creationId xmlns:p14="http://schemas.microsoft.com/office/powerpoint/2010/main" val="3547518011"/>
+      </p:ext>
+    </p:extLst>
+  </p:cSld>
+  <p:clrMapOvr>
+    <a:masterClrMapping/>
+  </p:clrMapOvr>
+</p:sld>
+</file>
+
+<file path=ppt/slides/slide12.xml><?xml version="1.0" encoding="utf-8"?>
+<p:sld xmlns:a="http://schemas.openxmlformats.org/drawingml/2006/main" xmlns:r="http://schemas.openxmlformats.org/officeDocument/2006/relationships" xmlns:p="http://schemas.openxmlformats.org/presentationml/2006/main">
+  <p:cSld>
+    <p:spTree>
+      <p:nvGrpSpPr>
+        <p:cNvPr id="1" name=""/>
+        <p:cNvGrpSpPr/>
+        <p:nvPr/>
+      </p:nvGrpSpPr>
+      <p:grpSpPr>
+        <a:xfrm>
+          <a:off x="0" y="0"/>
+          <a:ext cx="0" cy="0"/>
+          <a:chOff x="0" y="0"/>
+          <a:chExt cx="0" cy="0"/>
+        </a:xfrm>
+      </p:grpSpPr>
+      <p:sp>
+        <p:nvSpPr>
+          <p:cNvPr id="3" name="Content Placeholder 2"/>
+          <p:cNvSpPr>
+            <a:spLocks noGrp="1"/>
+          </p:cNvSpPr>
+          <p:nvPr>
+            <p:ph idx="1"/>
+          </p:nvPr>
+        </p:nvSpPr>
+        <p:spPr>
+          <a:xfrm>
+            <a:off x="457200" y="1200150"/>
+            <a:ext cx="8229600" cy="3733799"/>
+          </a:xfrm>
+        </p:spPr>
+        <p:txBody>
+          <a:bodyPr>
+            <a:normAutofit fontScale="92500" lnSpcReduction="10000"/>
+          </a:bodyPr>
+          <a:lstStyle/>
+          <a:p>
+            <a:pPr marL="0" indent="0" algn="just">
+              <a:buNone/>
+            </a:pPr>
+            <a:r>
+              <a:rPr lang="ru-RU" dirty="0"/>
+              <a:t>Статистические методы исследования ЭЭГ основаны на том, что определенные участки сигналов ЭЭГ считаются стационарными. Наиболее распространенными являются спектральный анализ, в основе которого лежит непрерывное Фурье-преобразование, корреляционный анализ, когерентный анализ</a:t>
+            </a:r>
+            <a:endParaRPr lang="en-US" sz="1500" dirty="0">
+              <a:solidFill>
+                <a:srgbClr val="FFFF00"/>
+              </a:solidFill>
+            </a:endParaRPr>
+          </a:p>
+        </p:txBody>
+      </p:sp>
+      <p:sp>
+        <p:nvSpPr>
+          <p:cNvPr id="4" name="Заголовок 3"/>
+          <p:cNvSpPr>
+            <a:spLocks noGrp="1"/>
+          </p:cNvSpPr>
+          <p:nvPr>
+            <p:ph type="title"/>
+          </p:nvPr>
+        </p:nvSpPr>
+        <p:spPr/>
+        <p:txBody>
+          <a:bodyPr/>
+          <a:lstStyle/>
+          <a:p>
+            <a:endParaRPr lang="ru-RU"/>
+          </a:p>
+        </p:txBody>
+      </p:sp>
+    </p:spTree>
+    <p:extLst>
+      <p:ext uri="{BB962C8B-B14F-4D97-AF65-F5344CB8AC3E}">
+        <p14:creationId xmlns:p14="http://schemas.microsoft.com/office/powerpoint/2010/main" val="1093259465"/>
+      </p:ext>
+    </p:extLst>
+  </p:cSld>
+  <p:clrMapOvr>
+    <a:masterClrMapping/>
+  </p:clrMapOvr>
+</p:sld>
+</file>
+
+<file path=ppt/slides/slide13.xml><?xml version="1.0" encoding="utf-8"?>
+<p:sld xmlns:a="http://schemas.openxmlformats.org/drawingml/2006/main" xmlns:r="http://schemas.openxmlformats.org/officeDocument/2006/relationships" xmlns:p="http://schemas.openxmlformats.org/presentationml/2006/main">
+  <p:cSld>
+    <p:spTree>
+      <p:nvGrpSpPr>
+        <p:cNvPr id="1" name=""/>
+        <p:cNvGrpSpPr/>
+        <p:nvPr/>
+      </p:nvGrpSpPr>
+      <p:grpSpPr>
+        <a:xfrm>
+          <a:off x="0" y="0"/>
+          <a:ext cx="0" cy="0"/>
+          <a:chOff x="0" y="0"/>
+          <a:chExt cx="0" cy="0"/>
+        </a:xfrm>
+      </p:grpSpPr>
+      <p:sp>
+        <p:nvSpPr>
+          <p:cNvPr id="2" name="Title 1"/>
+          <p:cNvSpPr>
+            <a:spLocks noGrp="1"/>
+          </p:cNvSpPr>
+          <p:nvPr>
+            <p:ph type="title"/>
+          </p:nvPr>
+        </p:nvSpPr>
+        <p:spPr/>
+        <p:txBody>
+          <a:bodyPr/>
+          <a:lstStyle/>
+          <a:p>
+            <a:r>
+              <a:rPr lang="ru-RU" dirty="0" smtClean="0"/>
+              <a:t>Этапы методики</a:t>
+            </a:r>
+            <a:endParaRPr lang="en-US" dirty="0"/>
+          </a:p>
+        </p:txBody>
+      </p:sp>
+      <p:sp>
+        <p:nvSpPr>
+          <p:cNvPr id="5" name="Rectangle 4"/>
+          <p:cNvSpPr/>
+          <p:nvPr/>
+        </p:nvSpPr>
+        <p:spPr>
+          <a:xfrm>
+            <a:off x="196392" y="3547156"/>
+            <a:ext cx="792272" cy="618141"/>
+          </a:xfrm>
+          <a:prstGeom prst="rect">
+            <a:avLst/>
+          </a:prstGeom>
+          <a:solidFill>
+            <a:schemeClr val="accent1"/>
+          </a:solidFill>
+          <a:ln w="25400" cap="flat" cmpd="sng" algn="ctr">
+            <a:solidFill>
+              <a:schemeClr val="accent1">
+                <a:lumMod val="50000"/>
+              </a:schemeClr>
+            </a:solidFill>
+            <a:prstDash val="solid"/>
+          </a:ln>
+          <a:effectLst/>
+        </p:spPr>
+        <p:txBody>
+          <a:bodyPr rtlCol="0" anchor="ctr"/>
+          <a:lstStyle/>
+          <a:p>
+            <a:pPr marL="0" marR="0" lvl="0" indent="0" algn="ctr" defTabSz="914400" eaLnBrk="1" fontAlgn="auto" latinLnBrk="0" hangingPunct="1">
+              <a:lnSpc>
+                <a:spcPct val="100000"/>
+              </a:lnSpc>
+              <a:spcBef>
+                <a:spcPts val="0"/>
+              </a:spcBef>
+              <a:spcAft>
+                <a:spcPts val="0"/>
+              </a:spcAft>
+              <a:buClrTx/>
+              <a:buSzTx/>
+              <a:buFontTx/>
+              <a:buNone/>
+              <a:tabLst/>
+              <a:defRPr/>
+            </a:pPr>
+            <a:r>
+              <a:rPr kumimoji="0" lang="en-US" sz="2400" b="1" i="0" u="none" strike="noStrike" kern="0" cap="none" spc="0" normalizeH="0" baseline="0" noProof="0" dirty="0" smtClean="0">
+                <a:ln>
+                  <a:noFill/>
+                </a:ln>
+                <a:solidFill>
+                  <a:sysClr val="window" lastClr="FFFFFF"/>
+                </a:solidFill>
+                <a:effectLst>
+                  <a:outerShdw blurRad="38100" dist="38100" dir="2700000" algn="tl">
+                    <a:srgbClr val="000000">
+                      <a:alpha val="43137"/>
+                    </a:srgbClr>
+                  </a:outerShdw>
+                </a:effectLst>
+                <a:uLnTx/>
+                <a:uFillTx/>
+                <a:latin typeface="Arial" pitchFamily="34" charset="0"/>
+                <a:ea typeface="+mn-ea"/>
+                <a:cs typeface="Arial" pitchFamily="34" charset="0"/>
+              </a:rPr>
+              <a:t>2</a:t>
+            </a:r>
+            <a:endParaRPr kumimoji="0" lang="en-US" sz="2400" b="1" i="0" u="none" strike="noStrike" kern="0" cap="none" spc="0" normalizeH="0" baseline="0" noProof="0" dirty="0">
+              <a:ln>
+                <a:noFill/>
+              </a:ln>
+              <a:solidFill>
+                <a:sysClr val="window" lastClr="FFFFFF"/>
+              </a:solidFill>
+              <a:effectLst>
+                <a:outerShdw blurRad="38100" dist="38100" dir="2700000" algn="tl">
+                  <a:srgbClr val="000000">
+                    <a:alpha val="43137"/>
+                  </a:srgbClr>
+                </a:outerShdw>
+              </a:effectLst>
+              <a:uLnTx/>
+              <a:uFillTx/>
+              <a:latin typeface="Arial" pitchFamily="34" charset="0"/>
+              <a:ea typeface="+mn-ea"/>
+              <a:cs typeface="Arial" pitchFamily="34" charset="0"/>
+            </a:endParaRPr>
+          </a:p>
+        </p:txBody>
+      </p:sp>
+      <p:sp>
+        <p:nvSpPr>
+          <p:cNvPr id="8" name="Rectangle 7"/>
+          <p:cNvSpPr/>
+          <p:nvPr/>
+        </p:nvSpPr>
+        <p:spPr>
+          <a:xfrm>
+            <a:off x="1257299" y="3502186"/>
+            <a:ext cx="7162800" cy="1430774"/>
+          </a:xfrm>
+          <a:prstGeom prst="rect">
+            <a:avLst/>
+          </a:prstGeom>
+          <a:solidFill>
+            <a:schemeClr val="accent1">
+              <a:lumMod val="20000"/>
+              <a:lumOff val="80000"/>
+            </a:schemeClr>
+          </a:solidFill>
+          <a:ln w="25400" cap="flat" cmpd="sng" algn="ctr">
+            <a:solidFill>
+              <a:schemeClr val="accent1"/>
+            </a:solidFill>
+            <a:prstDash val="solid"/>
+          </a:ln>
+          <a:effectLst/>
+        </p:spPr>
+        <p:txBody>
+          <a:bodyPr rtlCol="0" anchor="ctr"/>
+          <a:lstStyle/>
+          <a:p>
+            <a:pPr marL="0" marR="0" lvl="0" indent="0" algn="ctr" defTabSz="914400" eaLnBrk="1" fontAlgn="auto" latinLnBrk="0" hangingPunct="1">
+              <a:lnSpc>
+                <a:spcPct val="100000"/>
+              </a:lnSpc>
+              <a:spcBef>
+                <a:spcPts val="0"/>
+              </a:spcBef>
+              <a:spcAft>
+                <a:spcPts val="0"/>
+              </a:spcAft>
+              <a:buClrTx/>
+              <a:buSzTx/>
+              <a:buFontTx/>
+              <a:buNone/>
+              <a:tabLst/>
+              <a:defRPr/>
+            </a:pPr>
+            <a:r>
+              <a:rPr kumimoji="0" lang="en-US" sz="1800" b="0" i="0" u="none" strike="noStrike" kern="0" cap="none" spc="0" normalizeH="0" baseline="0" noProof="0" dirty="0" smtClean="0">
+                <a:ln>
+                  <a:noFill/>
+                </a:ln>
+                <a:solidFill>
+                  <a:sysClr val="window" lastClr="FFFFFF"/>
+                </a:solidFill>
+                <a:effectLst/>
+                <a:uLnTx/>
+                <a:uFillTx/>
+                <a:latin typeface="Arial" pitchFamily="34" charset="0"/>
+                <a:ea typeface="+mn-ea"/>
+                <a:cs typeface="Arial" pitchFamily="34" charset="0"/>
+              </a:rPr>
+              <a:t> </a:t>
+            </a:r>
+            <a:endParaRPr kumimoji="0" lang="en-US" sz="1800" b="0" i="0" u="none" strike="noStrike" kern="0" cap="none" spc="0" normalizeH="0" baseline="0" noProof="0" dirty="0">
+              <a:ln>
+                <a:noFill/>
+              </a:ln>
+              <a:solidFill>
+                <a:sysClr val="window" lastClr="FFFFFF"/>
+              </a:solidFill>
+              <a:effectLst/>
+              <a:uLnTx/>
+              <a:uFillTx/>
+              <a:latin typeface="Arial" pitchFamily="34" charset="0"/>
+              <a:ea typeface="+mn-ea"/>
+              <a:cs typeface="Arial" pitchFamily="34" charset="0"/>
+            </a:endParaRPr>
+          </a:p>
+        </p:txBody>
+      </p:sp>
+      <p:sp>
+        <p:nvSpPr>
+          <p:cNvPr id="12" name="Rectangle 11"/>
+          <p:cNvSpPr/>
+          <p:nvPr/>
+        </p:nvSpPr>
+        <p:spPr>
+          <a:xfrm>
+            <a:off x="1219200" y="1208719"/>
+            <a:ext cx="7162800" cy="2048831"/>
+          </a:xfrm>
+          <a:prstGeom prst="rect">
+            <a:avLst/>
+          </a:prstGeom>
+          <a:solidFill>
+            <a:schemeClr val="accent1">
+              <a:lumMod val="20000"/>
+              <a:lumOff val="80000"/>
+            </a:schemeClr>
+          </a:solidFill>
+          <a:ln w="25400" cap="flat" cmpd="sng" algn="ctr">
+            <a:solidFill>
+              <a:schemeClr val="accent1"/>
+            </a:solidFill>
+            <a:prstDash val="solid"/>
+          </a:ln>
+          <a:effectLst/>
+        </p:spPr>
+        <p:txBody>
+          <a:bodyPr rtlCol="0" anchor="ctr"/>
+          <a:lstStyle/>
+          <a:p>
+            <a:pPr marL="0" marR="0" lvl="0" indent="0" algn="ctr" defTabSz="914400" eaLnBrk="1" fontAlgn="auto" latinLnBrk="0" hangingPunct="1">
+              <a:lnSpc>
+                <a:spcPct val="100000"/>
+              </a:lnSpc>
+              <a:spcBef>
+                <a:spcPts val="0"/>
+              </a:spcBef>
+              <a:spcAft>
+                <a:spcPts val="0"/>
+              </a:spcAft>
+              <a:buClrTx/>
+              <a:buSzTx/>
+              <a:buFontTx/>
+              <a:buNone/>
+              <a:tabLst/>
+              <a:defRPr/>
+            </a:pPr>
+            <a:r>
+              <a:rPr kumimoji="0" lang="en-US" sz="1800" b="0" i="0" u="none" strike="noStrike" kern="0" cap="none" spc="0" normalizeH="0" baseline="0" noProof="0" dirty="0" smtClean="0">
+                <a:ln>
+                  <a:noFill/>
+                </a:ln>
+                <a:solidFill>
+                  <a:sysClr val="window" lastClr="FFFFFF"/>
+                </a:solidFill>
+                <a:effectLst/>
+                <a:uLnTx/>
+                <a:uFillTx/>
+                <a:latin typeface="Arial" pitchFamily="34" charset="0"/>
+                <a:ea typeface="+mn-ea"/>
+                <a:cs typeface="Arial" pitchFamily="34" charset="0"/>
+              </a:rPr>
+              <a:t> </a:t>
+            </a:r>
+            <a:endParaRPr kumimoji="0" lang="en-US" sz="1800" b="0" i="0" u="none" strike="noStrike" kern="0" cap="none" spc="0" normalizeH="0" baseline="0" noProof="0" dirty="0">
+              <a:ln>
+                <a:noFill/>
+              </a:ln>
+              <a:solidFill>
+                <a:sysClr val="window" lastClr="FFFFFF"/>
+              </a:solidFill>
+              <a:effectLst/>
+              <a:uLnTx/>
+              <a:uFillTx/>
+              <a:latin typeface="Arial" pitchFamily="34" charset="0"/>
+              <a:ea typeface="+mn-ea"/>
+              <a:cs typeface="Arial" pitchFamily="34" charset="0"/>
+            </a:endParaRPr>
+          </a:p>
+        </p:txBody>
+      </p:sp>
+      <p:sp>
+        <p:nvSpPr>
+          <p:cNvPr id="13" name="TextBox 12"/>
+          <p:cNvSpPr txBox="1"/>
+          <p:nvPr/>
+        </p:nvSpPr>
+        <p:spPr>
+          <a:xfrm>
+            <a:off x="1295400" y="1267399"/>
+            <a:ext cx="7010400" cy="1015663"/>
+          </a:xfrm>
+          <a:prstGeom prst="rect">
+            <a:avLst/>
+          </a:prstGeom>
+          <a:noFill/>
+        </p:spPr>
+        <p:txBody>
+          <a:bodyPr wrap="square" rtlCol="0">
+            <a:spAutoFit/>
+          </a:bodyPr>
+          <a:lstStyle/>
+          <a:p>
+            <a:pPr lvl="0"/>
+            <a:r>
+              <a:rPr lang="ru-RU" sz="2000" dirty="0"/>
+              <a:t>Построение образа паттерна патологической активности по детектированным параметрам из </a:t>
+            </a:r>
+            <a:r>
+              <a:rPr lang="ru-RU" sz="2000" dirty="0" err="1"/>
+              <a:t>вейвлетограммы</a:t>
+            </a:r>
+            <a:r>
+              <a:rPr lang="ru-RU" sz="2000" dirty="0"/>
+              <a:t> </a:t>
+            </a:r>
+            <a:r>
+              <a:rPr lang="ru-RU" sz="2000" dirty="0" err="1"/>
+              <a:t>вейвлет</a:t>
+            </a:r>
+            <a:r>
+              <a:rPr lang="ru-RU" sz="2000" dirty="0"/>
+              <a:t>-базиса Симплет-4 </a:t>
+            </a:r>
+          </a:p>
+        </p:txBody>
+      </p:sp>
+      <p:sp>
+        <p:nvSpPr>
+          <p:cNvPr id="14" name="Rectangle 13"/>
+          <p:cNvSpPr/>
+          <p:nvPr/>
+        </p:nvSpPr>
+        <p:spPr>
+          <a:xfrm>
+            <a:off x="228600" y="1200149"/>
+            <a:ext cx="792272" cy="618141"/>
+          </a:xfrm>
+          <a:prstGeom prst="rect">
+            <a:avLst/>
+          </a:prstGeom>
+          <a:solidFill>
+            <a:schemeClr val="accent1"/>
+          </a:solidFill>
+          <a:ln w="25400" cap="flat" cmpd="sng" algn="ctr">
+            <a:solidFill>
+              <a:schemeClr val="accent1">
+                <a:lumMod val="50000"/>
+              </a:schemeClr>
+            </a:solidFill>
+            <a:prstDash val="solid"/>
+          </a:ln>
+          <a:effectLst/>
+        </p:spPr>
+        <p:txBody>
+          <a:bodyPr rtlCol="0" anchor="ctr"/>
+          <a:lstStyle/>
+          <a:p>
+            <a:pPr marL="0" marR="0" lvl="0" indent="0" algn="ctr" defTabSz="914400" eaLnBrk="1" fontAlgn="auto" latinLnBrk="0" hangingPunct="1">
+              <a:lnSpc>
+                <a:spcPct val="100000"/>
+              </a:lnSpc>
+              <a:spcBef>
+                <a:spcPts val="0"/>
+              </a:spcBef>
+              <a:spcAft>
+                <a:spcPts val="0"/>
+              </a:spcAft>
+              <a:buClrTx/>
+              <a:buSzTx/>
+              <a:buFontTx/>
+              <a:buNone/>
+              <a:tabLst/>
+              <a:defRPr/>
+            </a:pPr>
+            <a:r>
+              <a:rPr kumimoji="0" lang="ru-RU" sz="2400" b="1" i="0" u="none" strike="noStrike" kern="0" cap="none" spc="0" normalizeH="0" baseline="0" noProof="0" dirty="0" smtClean="0">
+                <a:ln>
+                  <a:noFill/>
+                </a:ln>
+                <a:solidFill>
+                  <a:sysClr val="window" lastClr="FFFFFF"/>
+                </a:solidFill>
+                <a:effectLst>
+                  <a:outerShdw blurRad="38100" dist="38100" dir="2700000" algn="tl">
+                    <a:srgbClr val="000000">
+                      <a:alpha val="43137"/>
+                    </a:srgbClr>
+                  </a:outerShdw>
+                </a:effectLst>
+                <a:uLnTx/>
+                <a:uFillTx/>
+                <a:latin typeface="Arial" pitchFamily="34" charset="0"/>
+                <a:ea typeface="+mn-ea"/>
+                <a:cs typeface="Arial" pitchFamily="34" charset="0"/>
+              </a:rPr>
+              <a:t>1</a:t>
+            </a:r>
+            <a:endParaRPr kumimoji="0" lang="en-US" sz="2400" b="1" i="0" u="none" strike="noStrike" kern="0" cap="none" spc="0" normalizeH="0" baseline="0" noProof="0" dirty="0">
+              <a:ln>
+                <a:noFill/>
+              </a:ln>
+              <a:solidFill>
+                <a:sysClr val="window" lastClr="FFFFFF"/>
+              </a:solidFill>
+              <a:effectLst>
+                <a:outerShdw blurRad="38100" dist="38100" dir="2700000" algn="tl">
+                  <a:srgbClr val="000000">
+                    <a:alpha val="43137"/>
+                  </a:srgbClr>
+                </a:outerShdw>
+              </a:effectLst>
+              <a:uLnTx/>
+              <a:uFillTx/>
+              <a:latin typeface="Arial" pitchFamily="34" charset="0"/>
+              <a:ea typeface="+mn-ea"/>
+              <a:cs typeface="Arial" pitchFamily="34" charset="0"/>
+            </a:endParaRPr>
+          </a:p>
+        </p:txBody>
+      </p:sp>
+      <p:sp>
+        <p:nvSpPr>
+          <p:cNvPr id="16" name="TextBox 15"/>
+          <p:cNvSpPr txBox="1"/>
+          <p:nvPr/>
+        </p:nvSpPr>
+        <p:spPr>
+          <a:xfrm>
+            <a:off x="1371600" y="3695640"/>
+            <a:ext cx="6934199" cy="400110"/>
+          </a:xfrm>
+          <a:prstGeom prst="rect">
+            <a:avLst/>
+          </a:prstGeom>
+          <a:noFill/>
+        </p:spPr>
+        <p:txBody>
+          <a:bodyPr wrap="square" rtlCol="0">
+            <a:spAutoFit/>
+          </a:bodyPr>
+          <a:lstStyle/>
+          <a:p>
+            <a:r>
+              <a:rPr lang="ru-RU" sz="2000" dirty="0"/>
+              <a:t>Вычисление </a:t>
+            </a:r>
+            <a:r>
+              <a:rPr lang="ru-RU" sz="2000" dirty="0" err="1"/>
+              <a:t>коррелограммы</a:t>
+            </a:r>
+            <a:r>
+              <a:rPr lang="ru-RU" sz="2000" dirty="0"/>
+              <a:t> из </a:t>
+            </a:r>
+            <a:r>
+              <a:rPr lang="ru-RU" sz="2000" dirty="0" err="1"/>
+              <a:t>вейвлетограммы</a:t>
+            </a:r>
+            <a:endParaRPr lang="en-US" sz="2000" dirty="0">
+              <a:latin typeface="Arial" pitchFamily="34" charset="0"/>
+              <a:cs typeface="Arial" pitchFamily="34" charset="0"/>
+            </a:endParaRPr>
+          </a:p>
+        </p:txBody>
+      </p:sp>
+      <p:sp>
+        <p:nvSpPr>
+          <p:cNvPr id="3" name="Rectangle 2"/>
+          <p:cNvSpPr>
+            <a:spLocks noChangeArrowheads="1"/>
+          </p:cNvSpPr>
+          <p:nvPr/>
+        </p:nvSpPr>
+        <p:spPr bwMode="auto">
+          <a:xfrm>
+            <a:off x="0" y="0"/>
+            <a:ext cx="9144000" cy="0"/>
+          </a:xfrm>
+          <a:prstGeom prst="rect">
+            <a:avLst/>
+          </a:prstGeom>
+          <a:noFill/>
+          <a:ln>
+            <a:noFill/>
+          </a:ln>
+          <a:effectLst/>
+          <a:extLst>
+            <a:ext uri="{909E8E84-426E-40DD-AFC4-6F175D3DCCD1}">
+              <a14:hiddenFill xmlns:a14="http://schemas.microsoft.com/office/drawing/2010/main">
+                <a:solidFill>
+                  <a:schemeClr val="accent1"/>
+                </a:solidFill>
+              </a14:hiddenFill>
+            </a:ext>
+            <a:ext uri="{91240B29-F687-4F45-9708-019B960494DF}">
+              <a14:hiddenLine xmlns:a14="http://schemas.microsoft.com/office/drawing/2010/main" w="9525">
+                <a:solidFill>
+                  <a:schemeClr val="tx1"/>
+                </a:solidFill>
+                <a:miter lim="800000"/>
+                <a:headEnd/>
+                <a:tailEnd/>
+              </a14:hiddenLine>
+            </a:ext>
+            <a:ext uri="{AF507438-7753-43E0-B8FC-AC1667EBCBE1}">
+              <a14:hiddenEffects xmlns:a14="http://schemas.microsoft.com/office/drawing/2010/main">
+                <a:effectLst>
+                  <a:outerShdw dist="35921" dir="2700000" algn="ctr" rotWithShape="0">
+                    <a:schemeClr val="bg2"/>
+                  </a:outerShdw>
+                </a:effectLst>
+              </a14:hiddenEffects>
+            </a:ext>
+          </a:extLst>
+        </p:spPr>
+        <p:txBody>
+          <a:bodyPr vert="horz" wrap="none" lIns="91440" tIns="45720" rIns="91440" bIns="45720" numCol="1" anchor="ctr" anchorCtr="0" compatLnSpc="1">
+            <a:prstTxWarp prst="textNoShape">
+              <a:avLst/>
+            </a:prstTxWarp>
+            <a:spAutoFit/>
+          </a:bodyPr>
+          <a:lstStyle/>
+          <a:p>
+            <a:endParaRPr lang="ru-RU"/>
+          </a:p>
+        </p:txBody>
+      </p:sp>
+      <p:sp>
+        <p:nvSpPr>
+          <p:cNvPr id="6" name="Rectangle 4"/>
+          <p:cNvSpPr>
+            <a:spLocks noChangeArrowheads="1"/>
+          </p:cNvSpPr>
+          <p:nvPr/>
+        </p:nvSpPr>
+        <p:spPr bwMode="auto">
+          <a:xfrm>
+            <a:off x="0" y="0"/>
+            <a:ext cx="9144000" cy="0"/>
+          </a:xfrm>
+          <a:prstGeom prst="rect">
+            <a:avLst/>
+          </a:prstGeom>
+          <a:noFill/>
+          <a:ln>
+            <a:noFill/>
+          </a:ln>
+          <a:effectLst/>
+          <a:extLst>
+            <a:ext uri="{909E8E84-426E-40DD-AFC4-6F175D3DCCD1}">
+              <a14:hiddenFill xmlns:a14="http://schemas.microsoft.com/office/drawing/2010/main">
+                <a:solidFill>
+                  <a:schemeClr val="accent1"/>
+                </a:solidFill>
+              </a14:hiddenFill>
+            </a:ext>
+            <a:ext uri="{91240B29-F687-4F45-9708-019B960494DF}">
+              <a14:hiddenLine xmlns:a14="http://schemas.microsoft.com/office/drawing/2010/main" w="9525">
+                <a:solidFill>
+                  <a:schemeClr val="tx1"/>
+                </a:solidFill>
+                <a:miter lim="800000"/>
+                <a:headEnd/>
+                <a:tailEnd/>
+              </a14:hiddenLine>
+            </a:ext>
+            <a:ext uri="{AF507438-7753-43E0-B8FC-AC1667EBCBE1}">
+              <a14:hiddenEffects xmlns:a14="http://schemas.microsoft.com/office/drawing/2010/main">
+                <a:effectLst>
+                  <a:outerShdw dist="35921" dir="2700000" algn="ctr" rotWithShape="0">
+                    <a:schemeClr val="bg2"/>
+                  </a:outerShdw>
+                </a:effectLst>
+              </a14:hiddenEffects>
+            </a:ext>
+          </a:extLst>
+        </p:spPr>
+        <p:txBody>
+          <a:bodyPr vert="horz" wrap="none" lIns="91440" tIns="45720" rIns="91440" bIns="45720" numCol="1" anchor="ctr" anchorCtr="0" compatLnSpc="1">
+            <a:prstTxWarp prst="textNoShape">
+              <a:avLst/>
+            </a:prstTxWarp>
+            <a:spAutoFit/>
+          </a:bodyPr>
+          <a:lstStyle/>
+          <a:p>
+            <a:endParaRPr lang="ru-RU"/>
+          </a:p>
+        </p:txBody>
+      </p:sp>
+      <p:graphicFrame>
+        <p:nvGraphicFramePr>
+          <p:cNvPr id="10" name="Объект 9"/>
+          <p:cNvGraphicFramePr>
+            <a:graphicFrameLocks noChangeAspect="1"/>
+          </p:cNvGraphicFramePr>
+          <p:nvPr>
+            <p:extLst>
+              <p:ext uri="{D42A27DB-BD31-4B8C-83A1-F6EECF244321}">
+                <p14:modId xmlns:p14="http://schemas.microsoft.com/office/powerpoint/2010/main" val="3435558990"/>
+              </p:ext>
+            </p:extLst>
+          </p:nvPr>
+        </p:nvGraphicFramePr>
+        <p:xfrm>
+          <a:off x="3505200" y="2314288"/>
+          <a:ext cx="2314575" cy="742950"/>
+        </p:xfrm>
+        <a:graphic>
+          <a:graphicData uri="http://schemas.openxmlformats.org/presentationml/2006/ole">
+            <mc:AlternateContent xmlns:mc="http://schemas.openxmlformats.org/markup-compatibility/2006">
+              <mc:Choice xmlns:v="urn:schemas-microsoft-com:vml" Requires="v">
+                <p:oleObj spid="_x0000_s1089" name="Equation" r:id="rId3" imgW="2311400" imgH="749300" progId="Equation.DSMT4">
+                  <p:embed/>
+                </p:oleObj>
+              </mc:Choice>
+              <mc:Fallback>
+                <p:oleObj name="Equation" r:id="rId3" imgW="2311400" imgH="749300" progId="Equation.DSMT4">
+                  <p:embed/>
+                  <p:pic>
+                    <p:nvPicPr>
+                      <p:cNvPr id="0" name="Object 3"/>
+                      <p:cNvPicPr>
+                        <a:picLocks noChangeAspect="1" noChangeArrowheads="1"/>
+                      </p:cNvPicPr>
+                      <p:nvPr/>
+                    </p:nvPicPr>
+                    <p:blipFill>
+                      <a:blip r:embed="rId4">
+                        <a:extLst>
+                          <a:ext uri="{28A0092B-C50C-407E-A947-70E740481C1C}">
+                            <a14:useLocalDpi xmlns:a14="http://schemas.microsoft.com/office/drawing/2010/main" val="0"/>
+                          </a:ext>
+                        </a:extLst>
+                      </a:blip>
+                      <a:srcRect/>
+                      <a:stretch>
+                        <a:fillRect/>
+                      </a:stretch>
+                    </p:blipFill>
+                    <p:spPr bwMode="auto">
+                      <a:xfrm>
+                        <a:off x="3505200" y="2314288"/>
+                        <a:ext cx="2314575" cy="742950"/>
+                      </a:xfrm>
+                      <a:prstGeom prst="rect">
+                        <a:avLst/>
+                      </a:prstGeom>
+                      <a:noFill/>
+                      <a:extLst>
+                        <a:ext uri="{909E8E84-426E-40DD-AFC4-6F175D3DCCD1}">
+                          <a14:hiddenFill xmlns:a14="http://schemas.microsoft.com/office/drawing/2010/main">
+                            <a:solidFill>
+                              <a:srgbClr val="FFFFFF"/>
+                            </a:solidFill>
+                          </a14:hiddenFill>
+                        </a:ext>
+                      </a:extLst>
+                    </p:spPr>
+                  </p:pic>
+                </p:oleObj>
+              </mc:Fallback>
+            </mc:AlternateContent>
+          </a:graphicData>
+        </a:graphic>
+      </p:graphicFrame>
+      <p:sp>
+        <p:nvSpPr>
+          <p:cNvPr id="28" name="Rectangle 20"/>
+          <p:cNvSpPr>
+            <a:spLocks noChangeArrowheads="1"/>
+          </p:cNvSpPr>
+          <p:nvPr/>
+        </p:nvSpPr>
+        <p:spPr bwMode="auto">
+          <a:xfrm>
+            <a:off x="0" y="0"/>
+            <a:ext cx="9144000" cy="0"/>
+          </a:xfrm>
+          <a:prstGeom prst="rect">
+            <a:avLst/>
+          </a:prstGeom>
+          <a:noFill/>
+          <a:ln>
+            <a:noFill/>
+          </a:ln>
+          <a:effectLst/>
+          <a:extLst>
+            <a:ext uri="{909E8E84-426E-40DD-AFC4-6F175D3DCCD1}">
+              <a14:hiddenFill xmlns:a14="http://schemas.microsoft.com/office/drawing/2010/main">
+                <a:solidFill>
+                  <a:schemeClr val="accent1"/>
+                </a:solidFill>
+              </a14:hiddenFill>
+            </a:ext>
+            <a:ext uri="{91240B29-F687-4F45-9708-019B960494DF}">
+              <a14:hiddenLine xmlns:a14="http://schemas.microsoft.com/office/drawing/2010/main" w="9525">
+                <a:solidFill>
+                  <a:schemeClr val="tx1"/>
+                </a:solidFill>
+                <a:miter lim="800000"/>
+                <a:headEnd/>
+                <a:tailEnd/>
+              </a14:hiddenLine>
+            </a:ext>
+            <a:ext uri="{AF507438-7753-43E0-B8FC-AC1667EBCBE1}">
+              <a14:hiddenEffects xmlns:a14="http://schemas.microsoft.com/office/drawing/2010/main">
+                <a:effectLst>
+                  <a:outerShdw dist="35921" dir="2700000" algn="ctr" rotWithShape="0">
+                    <a:schemeClr val="bg2"/>
+                  </a:outerShdw>
+                </a:effectLst>
+              </a14:hiddenEffects>
+            </a:ext>
+          </a:extLst>
+        </p:spPr>
+        <p:txBody>
+          <a:bodyPr vert="horz" wrap="none" lIns="91440" tIns="45720" rIns="91440" bIns="45720" numCol="1" anchor="ctr" anchorCtr="0" compatLnSpc="1">
+            <a:prstTxWarp prst="textNoShape">
+              <a:avLst/>
+            </a:prstTxWarp>
+            <a:spAutoFit/>
+          </a:bodyPr>
+          <a:lstStyle/>
+          <a:p>
+            <a:endParaRPr lang="ru-RU"/>
+          </a:p>
+        </p:txBody>
+      </p:sp>
+      <p:graphicFrame>
+        <p:nvGraphicFramePr>
+          <p:cNvPr id="29" name="Объект 28"/>
+          <p:cNvGraphicFramePr>
+            <a:graphicFrameLocks noChangeAspect="1"/>
+          </p:cNvGraphicFramePr>
+          <p:nvPr>
+            <p:extLst>
+              <p:ext uri="{D42A27DB-BD31-4B8C-83A1-F6EECF244321}">
+                <p14:modId xmlns:p14="http://schemas.microsoft.com/office/powerpoint/2010/main" val="2417925956"/>
+              </p:ext>
+            </p:extLst>
+          </p:nvPr>
+        </p:nvGraphicFramePr>
+        <p:xfrm>
+          <a:off x="3124200" y="4183597"/>
+          <a:ext cx="3143250" cy="647700"/>
+        </p:xfrm>
+        <a:graphic>
+          <a:graphicData uri="http://schemas.openxmlformats.org/presentationml/2006/ole">
+            <mc:AlternateContent xmlns:mc="http://schemas.openxmlformats.org/markup-compatibility/2006">
+              <mc:Choice xmlns:v="urn:schemas-microsoft-com:vml" Requires="v">
+                <p:oleObj spid="_x0000_s1090" name="Equation" r:id="rId5" imgW="3149600" imgH="647700" progId="Equation.DSMT4">
+                  <p:embed/>
+                </p:oleObj>
+              </mc:Choice>
+              <mc:Fallback>
+                <p:oleObj name="Equation" r:id="rId5" imgW="3149600" imgH="647700" progId="Equation.DSMT4">
+                  <p:embed/>
+                  <p:pic>
+                    <p:nvPicPr>
+                      <p:cNvPr id="0" name="Object 19"/>
+                      <p:cNvPicPr>
+                        <a:picLocks noChangeAspect="1" noChangeArrowheads="1"/>
+                      </p:cNvPicPr>
+                      <p:nvPr/>
+                    </p:nvPicPr>
+                    <p:blipFill>
+                      <a:blip r:embed="rId6">
+                        <a:extLst>
+                          <a:ext uri="{28A0092B-C50C-407E-A947-70E740481C1C}">
+                            <a14:useLocalDpi xmlns:a14="http://schemas.microsoft.com/office/drawing/2010/main" val="0"/>
+                          </a:ext>
+                        </a:extLst>
+                      </a:blip>
+                      <a:srcRect/>
+                      <a:stretch>
+                        <a:fillRect/>
+                      </a:stretch>
+                    </p:blipFill>
+                    <p:spPr bwMode="auto">
+                      <a:xfrm>
+                        <a:off x="3124200" y="4183597"/>
+                        <a:ext cx="3143250" cy="647700"/>
+                      </a:xfrm>
+                      <a:prstGeom prst="rect">
+                        <a:avLst/>
+                      </a:prstGeom>
+                      <a:noFill/>
+                      <a:extLst>
+                        <a:ext uri="{909E8E84-426E-40DD-AFC4-6F175D3DCCD1}">
+                          <a14:hiddenFill xmlns:a14="http://schemas.microsoft.com/office/drawing/2010/main">
+                            <a:solidFill>
+                              <a:srgbClr val="FFFFFF"/>
+                            </a:solidFill>
+                          </a14:hiddenFill>
+                        </a:ext>
+                      </a:extLst>
+                    </p:spPr>
+                  </p:pic>
+                </p:oleObj>
+              </mc:Fallback>
+            </mc:AlternateContent>
+          </a:graphicData>
+        </a:graphic>
+      </p:graphicFrame>
+    </p:spTree>
+    <p:extLst>
+      <p:ext uri="{BB962C8B-B14F-4D97-AF65-F5344CB8AC3E}">
+        <p14:creationId xmlns:p14="http://schemas.microsoft.com/office/powerpoint/2010/main" val="1497276888"/>
+      </p:ext>
+    </p:extLst>
+  </p:cSld>
+  <p:clrMapOvr>
+    <a:masterClrMapping/>
+  </p:clrMapOvr>
+</p:sld>
+</file>
+
+<file path=ppt/slides/slide14.xml><?xml version="1.0" encoding="utf-8"?>
+<p:sld xmlns:a="http://schemas.openxmlformats.org/drawingml/2006/main" xmlns:r="http://schemas.openxmlformats.org/officeDocument/2006/relationships" xmlns:p="http://schemas.openxmlformats.org/presentationml/2006/main">
+  <p:cSld>
+    <p:spTree>
+      <p:nvGrpSpPr>
+        <p:cNvPr id="1" name=""/>
+        <p:cNvGrpSpPr/>
+        <p:nvPr/>
+      </p:nvGrpSpPr>
+      <p:grpSpPr>
+        <a:xfrm>
+          <a:off x="0" y="0"/>
+          <a:ext cx="0" cy="0"/>
+          <a:chOff x="0" y="0"/>
+          <a:chExt cx="0" cy="0"/>
+        </a:xfrm>
+      </p:grpSpPr>
+      <p:sp>
+        <p:nvSpPr>
+          <p:cNvPr id="2" name="Title 1"/>
+          <p:cNvSpPr>
+            <a:spLocks noGrp="1"/>
+          </p:cNvSpPr>
+          <p:nvPr>
+            <p:ph type="title"/>
+          </p:nvPr>
+        </p:nvSpPr>
+        <p:spPr/>
+        <p:txBody>
+          <a:bodyPr/>
+          <a:lstStyle/>
+          <a:p>
+            <a:r>
+              <a:rPr lang="ru-RU" dirty="0" smtClean="0"/>
+              <a:t>Этапы методики</a:t>
+            </a:r>
+            <a:endParaRPr lang="en-US" dirty="0"/>
+          </a:p>
+        </p:txBody>
+      </p:sp>
+      <p:sp>
+        <p:nvSpPr>
+          <p:cNvPr id="7" name="Rectangle 6"/>
+          <p:cNvSpPr/>
+          <p:nvPr/>
+        </p:nvSpPr>
+        <p:spPr>
+          <a:xfrm>
+            <a:off x="163608" y="1234761"/>
+            <a:ext cx="792272" cy="618141"/>
+          </a:xfrm>
+          <a:prstGeom prst="rect">
+            <a:avLst/>
+          </a:prstGeom>
+          <a:solidFill>
+            <a:schemeClr val="accent1"/>
+          </a:solidFill>
+          <a:ln w="25400" cap="flat" cmpd="sng" algn="ctr">
+            <a:solidFill>
+              <a:schemeClr val="accent1">
+                <a:lumMod val="50000"/>
+              </a:schemeClr>
+            </a:solidFill>
+            <a:prstDash val="solid"/>
+          </a:ln>
+          <a:effectLst/>
+        </p:spPr>
+        <p:txBody>
+          <a:bodyPr rtlCol="0" anchor="ctr"/>
+          <a:lstStyle/>
+          <a:p>
+            <a:pPr marL="0" marR="0" lvl="0" indent="0" algn="ctr" defTabSz="914400" eaLnBrk="1" fontAlgn="auto" latinLnBrk="0" hangingPunct="1">
+              <a:lnSpc>
+                <a:spcPct val="100000"/>
+              </a:lnSpc>
+              <a:spcBef>
+                <a:spcPts val="0"/>
+              </a:spcBef>
+              <a:spcAft>
+                <a:spcPts val="0"/>
+              </a:spcAft>
+              <a:buClrTx/>
+              <a:buSzTx/>
+              <a:buFontTx/>
+              <a:buNone/>
+              <a:tabLst/>
+              <a:defRPr/>
+            </a:pPr>
+            <a:r>
+              <a:rPr kumimoji="0" lang="en-US" sz="2400" b="1" i="0" u="none" strike="noStrike" kern="0" cap="none" spc="0" normalizeH="0" baseline="0" noProof="0" dirty="0" smtClean="0">
+                <a:ln>
+                  <a:noFill/>
+                </a:ln>
+                <a:solidFill>
+                  <a:sysClr val="window" lastClr="FFFFFF"/>
+                </a:solidFill>
+                <a:effectLst>
+                  <a:outerShdw blurRad="38100" dist="38100" dir="2700000" algn="tl">
+                    <a:srgbClr val="000000">
+                      <a:alpha val="43137"/>
+                    </a:srgbClr>
+                  </a:outerShdw>
+                </a:effectLst>
+                <a:uLnTx/>
+                <a:uFillTx/>
+                <a:latin typeface="Arial" pitchFamily="34" charset="0"/>
+                <a:ea typeface="+mn-ea"/>
+                <a:cs typeface="Arial" pitchFamily="34" charset="0"/>
+              </a:rPr>
+              <a:t>3</a:t>
+            </a:r>
+            <a:endParaRPr kumimoji="0" lang="en-US" sz="2400" b="1" i="0" u="none" strike="noStrike" kern="0" cap="none" spc="0" normalizeH="0" baseline="0" noProof="0" dirty="0">
+              <a:ln>
+                <a:noFill/>
+              </a:ln>
+              <a:solidFill>
+                <a:sysClr val="window" lastClr="FFFFFF"/>
+              </a:solidFill>
+              <a:effectLst>
+                <a:outerShdw blurRad="38100" dist="38100" dir="2700000" algn="tl">
+                  <a:srgbClr val="000000">
+                    <a:alpha val="43137"/>
+                  </a:srgbClr>
+                </a:outerShdw>
+              </a:effectLst>
+              <a:uLnTx/>
+              <a:uFillTx/>
+              <a:latin typeface="Arial" pitchFamily="34" charset="0"/>
+              <a:ea typeface="+mn-ea"/>
+              <a:cs typeface="Arial" pitchFamily="34" charset="0"/>
+            </a:endParaRPr>
+          </a:p>
+        </p:txBody>
+      </p:sp>
+      <p:sp>
+        <p:nvSpPr>
+          <p:cNvPr id="8" name="Rectangle 7"/>
+          <p:cNvSpPr/>
+          <p:nvPr/>
+        </p:nvSpPr>
+        <p:spPr>
+          <a:xfrm>
+            <a:off x="1295400" y="3790951"/>
+            <a:ext cx="7086600" cy="1143000"/>
+          </a:xfrm>
+          <a:prstGeom prst="rect">
+            <a:avLst/>
+          </a:prstGeom>
+          <a:solidFill>
+            <a:schemeClr val="accent1">
+              <a:lumMod val="20000"/>
+              <a:lumOff val="80000"/>
+            </a:schemeClr>
+          </a:solidFill>
+          <a:ln w="25400" cap="flat" cmpd="sng" algn="ctr">
+            <a:solidFill>
+              <a:schemeClr val="accent1"/>
+            </a:solidFill>
+            <a:prstDash val="solid"/>
+          </a:ln>
+          <a:effectLst/>
+        </p:spPr>
+        <p:txBody>
+          <a:bodyPr rtlCol="0" anchor="ctr"/>
+          <a:lstStyle/>
+          <a:p>
+            <a:pPr marL="0" marR="0" lvl="0" indent="0" algn="ctr" defTabSz="914400" eaLnBrk="1" fontAlgn="auto" latinLnBrk="0" hangingPunct="1">
+              <a:lnSpc>
+                <a:spcPct val="100000"/>
+              </a:lnSpc>
+              <a:spcBef>
+                <a:spcPts val="0"/>
+              </a:spcBef>
+              <a:spcAft>
+                <a:spcPts val="0"/>
+              </a:spcAft>
+              <a:buClrTx/>
+              <a:buSzTx/>
+              <a:buFontTx/>
+              <a:buNone/>
+              <a:tabLst/>
+              <a:defRPr/>
+            </a:pPr>
+            <a:r>
+              <a:rPr kumimoji="0" lang="en-US" sz="1800" b="0" i="0" u="none" strike="noStrike" kern="0" cap="none" spc="0" normalizeH="0" baseline="0" noProof="0" dirty="0" smtClean="0">
+                <a:ln>
+                  <a:noFill/>
+                </a:ln>
+                <a:solidFill>
+                  <a:sysClr val="window" lastClr="FFFFFF"/>
+                </a:solidFill>
+                <a:effectLst/>
+                <a:uLnTx/>
+                <a:uFillTx/>
+                <a:latin typeface="Arial" pitchFamily="34" charset="0"/>
+                <a:ea typeface="+mn-ea"/>
+                <a:cs typeface="Arial" pitchFamily="34" charset="0"/>
+              </a:rPr>
+              <a:t> </a:t>
+            </a:r>
+            <a:endParaRPr kumimoji="0" lang="en-US" sz="1800" b="0" i="0" u="none" strike="noStrike" kern="0" cap="none" spc="0" normalizeH="0" baseline="0" noProof="0" dirty="0">
+              <a:ln>
+                <a:noFill/>
+              </a:ln>
+              <a:solidFill>
+                <a:sysClr val="window" lastClr="FFFFFF"/>
+              </a:solidFill>
+              <a:effectLst/>
+              <a:uLnTx/>
+              <a:uFillTx/>
+              <a:latin typeface="Arial" pitchFamily="34" charset="0"/>
+              <a:ea typeface="+mn-ea"/>
+              <a:cs typeface="Arial" pitchFamily="34" charset="0"/>
+            </a:endParaRPr>
+          </a:p>
+        </p:txBody>
+      </p:sp>
+      <p:sp>
+        <p:nvSpPr>
+          <p:cNvPr id="12" name="Rectangle 11"/>
+          <p:cNvSpPr/>
+          <p:nvPr/>
+        </p:nvSpPr>
+        <p:spPr>
+          <a:xfrm>
+            <a:off x="1219200" y="1208719"/>
+            <a:ext cx="7162800" cy="2125031"/>
+          </a:xfrm>
+          <a:prstGeom prst="rect">
+            <a:avLst/>
+          </a:prstGeom>
+          <a:solidFill>
+            <a:schemeClr val="accent1">
+              <a:lumMod val="20000"/>
+              <a:lumOff val="80000"/>
+            </a:schemeClr>
+          </a:solidFill>
+          <a:ln w="25400" cap="flat" cmpd="sng" algn="ctr">
+            <a:solidFill>
+              <a:schemeClr val="accent1"/>
+            </a:solidFill>
+            <a:prstDash val="solid"/>
+          </a:ln>
+          <a:effectLst/>
+        </p:spPr>
+        <p:txBody>
+          <a:bodyPr rtlCol="0" anchor="ctr"/>
+          <a:lstStyle/>
+          <a:p>
+            <a:pPr marL="0" marR="0" lvl="0" indent="0" algn="ctr" defTabSz="914400" eaLnBrk="1" fontAlgn="auto" latinLnBrk="0" hangingPunct="1">
+              <a:lnSpc>
+                <a:spcPct val="100000"/>
+              </a:lnSpc>
+              <a:spcBef>
+                <a:spcPts val="0"/>
+              </a:spcBef>
+              <a:spcAft>
+                <a:spcPts val="0"/>
+              </a:spcAft>
+              <a:buClrTx/>
+              <a:buSzTx/>
+              <a:buFontTx/>
+              <a:buNone/>
+              <a:tabLst/>
+              <a:defRPr/>
+            </a:pPr>
+            <a:r>
+              <a:rPr kumimoji="0" lang="en-US" sz="1800" b="0" i="0" u="none" strike="noStrike" kern="0" cap="none" spc="0" normalizeH="0" baseline="0" noProof="0" dirty="0" smtClean="0">
+                <a:ln>
+                  <a:noFill/>
+                </a:ln>
+                <a:solidFill>
+                  <a:sysClr val="window" lastClr="FFFFFF"/>
+                </a:solidFill>
+                <a:effectLst/>
+                <a:uLnTx/>
+                <a:uFillTx/>
+                <a:latin typeface="Arial" pitchFamily="34" charset="0"/>
+                <a:ea typeface="+mn-ea"/>
+                <a:cs typeface="Arial" pitchFamily="34" charset="0"/>
+              </a:rPr>
+              <a:t> </a:t>
+            </a:r>
+            <a:endParaRPr kumimoji="0" lang="en-US" sz="1800" b="0" i="0" u="none" strike="noStrike" kern="0" cap="none" spc="0" normalizeH="0" baseline="0" noProof="0" dirty="0">
+              <a:ln>
+                <a:noFill/>
+              </a:ln>
+              <a:solidFill>
+                <a:sysClr val="window" lastClr="FFFFFF"/>
+              </a:solidFill>
+              <a:effectLst/>
+              <a:uLnTx/>
+              <a:uFillTx/>
+              <a:latin typeface="Arial" pitchFamily="34" charset="0"/>
+              <a:ea typeface="+mn-ea"/>
+              <a:cs typeface="Arial" pitchFamily="34" charset="0"/>
+            </a:endParaRPr>
+          </a:p>
+        </p:txBody>
+      </p:sp>
+      <p:sp>
+        <p:nvSpPr>
+          <p:cNvPr id="13" name="TextBox 12"/>
+          <p:cNvSpPr txBox="1"/>
+          <p:nvPr/>
+        </p:nvSpPr>
+        <p:spPr>
+          <a:xfrm>
+            <a:off x="1295400" y="1267399"/>
+            <a:ext cx="7010400" cy="1323439"/>
+          </a:xfrm>
+          <a:prstGeom prst="rect">
+            <a:avLst/>
+          </a:prstGeom>
+          <a:noFill/>
+        </p:spPr>
+        <p:txBody>
+          <a:bodyPr wrap="square" rtlCol="0">
+            <a:spAutoFit/>
+          </a:bodyPr>
+          <a:lstStyle/>
+          <a:p>
+            <a:pPr lvl="0"/>
+            <a:r>
+              <a:rPr lang="x-none" sz="2000"/>
+              <a:t>Сравнение </a:t>
+            </a:r>
+            <a:r>
+              <a:rPr lang="ru-RU" sz="2000" dirty="0" err="1"/>
+              <a:t>коррелограммы</a:t>
+            </a:r>
+            <a:r>
+              <a:rPr lang="ru-RU" sz="2000" dirty="0"/>
+              <a:t> </a:t>
+            </a:r>
+            <a:r>
+              <a:rPr lang="x-none" sz="2000"/>
+              <a:t>с пороговым значением </a:t>
+            </a:r>
+            <a:r>
+              <a:rPr lang="en-US" sz="2000" i="1" dirty="0"/>
+              <a:t>K</a:t>
+            </a:r>
+            <a:r>
+              <a:rPr lang="ru-RU" sz="2000" baseline="-25000" dirty="0"/>
+              <a:t>пор</a:t>
+            </a:r>
+            <a:r>
+              <a:rPr lang="x-none" sz="2000" i="1"/>
+              <a:t>. </a:t>
+            </a:r>
+            <a:r>
+              <a:rPr lang="en-US" sz="2000" i="1" dirty="0"/>
+              <a:t>K</a:t>
+            </a:r>
+            <a:r>
+              <a:rPr lang="ru-RU" sz="2000" baseline="-25000" dirty="0"/>
+              <a:t>пор</a:t>
+            </a:r>
+            <a:r>
+              <a:rPr lang="ru-RU" sz="2000" dirty="0"/>
+              <a:t> выбирается таким образом, чтобы при </a:t>
+            </a:r>
+            <a:r>
+              <a:rPr lang="en-US" sz="2000" i="1" dirty="0"/>
+              <a:t>K</a:t>
+            </a:r>
+            <a:r>
+              <a:rPr lang="ru-RU" sz="2000" i="1" dirty="0"/>
+              <a:t>(</a:t>
+            </a:r>
+            <a:r>
+              <a:rPr lang="en-US" sz="2000" i="1" dirty="0"/>
+              <a:t>t</a:t>
+            </a:r>
+            <a:r>
+              <a:rPr lang="ru-RU" sz="2000" dirty="0"/>
+              <a:t>) больше </a:t>
+            </a:r>
+            <a:r>
+              <a:rPr lang="en-US" sz="2000" i="1" dirty="0"/>
+              <a:t>K</a:t>
+            </a:r>
+            <a:r>
+              <a:rPr lang="ru-RU" sz="2000" baseline="-25000" dirty="0"/>
+              <a:t>пор</a:t>
+            </a:r>
+            <a:r>
+              <a:rPr lang="ru-RU" sz="2000" dirty="0"/>
+              <a:t> в ЭЭГ присутствует патологическая активность, а при </a:t>
+            </a:r>
+            <a:r>
+              <a:rPr lang="en-US" sz="2000" i="1" dirty="0"/>
+              <a:t>K</a:t>
+            </a:r>
+            <a:r>
+              <a:rPr lang="ru-RU" sz="2000" i="1" dirty="0"/>
+              <a:t>(</a:t>
+            </a:r>
+            <a:r>
+              <a:rPr lang="en-US" sz="2000" i="1" dirty="0"/>
+              <a:t>t</a:t>
+            </a:r>
+            <a:r>
+              <a:rPr lang="ru-RU" sz="2000" i="1" dirty="0"/>
+              <a:t>)</a:t>
+            </a:r>
+            <a:r>
+              <a:rPr lang="ru-RU" sz="2000" dirty="0"/>
+              <a:t> меньше </a:t>
+            </a:r>
+            <a:r>
+              <a:rPr lang="en-US" sz="2000" i="1" dirty="0"/>
+              <a:t>K</a:t>
+            </a:r>
+            <a:r>
+              <a:rPr lang="ru-RU" sz="2000" baseline="-25000" dirty="0"/>
+              <a:t>пор</a:t>
+            </a:r>
+            <a:r>
+              <a:rPr lang="ru-RU" sz="2000" dirty="0"/>
+              <a:t>  – сигнал без патологической активности</a:t>
+            </a:r>
+          </a:p>
+        </p:txBody>
+      </p:sp>
+      <p:sp>
+        <p:nvSpPr>
+          <p:cNvPr id="16" name="TextBox 15"/>
+          <p:cNvSpPr txBox="1"/>
+          <p:nvPr/>
+        </p:nvSpPr>
+        <p:spPr>
+          <a:xfrm>
+            <a:off x="1371600" y="3867150"/>
+            <a:ext cx="6858000" cy="923330"/>
+          </a:xfrm>
+          <a:prstGeom prst="rect">
+            <a:avLst/>
+          </a:prstGeom>
+          <a:noFill/>
+        </p:spPr>
+        <p:txBody>
+          <a:bodyPr wrap="square" rtlCol="0">
+            <a:spAutoFit/>
+          </a:bodyPr>
+          <a:lstStyle/>
+          <a:p>
+            <a:r>
+              <a:rPr lang="ru-RU" dirty="0"/>
+              <a:t>пороговая функция </a:t>
+            </a:r>
+            <a:r>
+              <a:rPr lang="en-US" i="1" dirty="0"/>
+              <a:t>D</a:t>
+            </a:r>
+            <a:r>
+              <a:rPr lang="ru-RU" i="1" dirty="0"/>
+              <a:t>(</a:t>
+            </a:r>
+            <a:r>
+              <a:rPr lang="en-US" i="1" dirty="0"/>
+              <a:t>t</a:t>
+            </a:r>
+            <a:r>
+              <a:rPr lang="ru-RU" i="1" dirty="0"/>
+              <a:t>)</a:t>
+            </a:r>
+            <a:r>
+              <a:rPr lang="ru-RU" dirty="0"/>
+              <a:t> соответствует сигналу без паттерна патологической активности в ЭЭГ при нулевом значении и с паттерном патологической активностью при единичном значении</a:t>
+            </a:r>
+            <a:endParaRPr lang="en-US" dirty="0">
+              <a:latin typeface="Arial" pitchFamily="34" charset="0"/>
+              <a:cs typeface="Arial" pitchFamily="34" charset="0"/>
+            </a:endParaRPr>
+          </a:p>
+        </p:txBody>
+      </p:sp>
+      <p:sp>
+        <p:nvSpPr>
+          <p:cNvPr id="3" name="Rectangle 2"/>
+          <p:cNvSpPr>
+            <a:spLocks noChangeArrowheads="1"/>
+          </p:cNvSpPr>
+          <p:nvPr/>
+        </p:nvSpPr>
+        <p:spPr bwMode="auto">
+          <a:xfrm>
+            <a:off x="0" y="0"/>
+            <a:ext cx="9144000" cy="0"/>
+          </a:xfrm>
+          <a:prstGeom prst="rect">
+            <a:avLst/>
+          </a:prstGeom>
+          <a:noFill/>
+          <a:ln>
+            <a:noFill/>
+          </a:ln>
+          <a:effectLst/>
+          <a:extLst>
+            <a:ext uri="{909E8E84-426E-40DD-AFC4-6F175D3DCCD1}">
+              <a14:hiddenFill xmlns:a14="http://schemas.microsoft.com/office/drawing/2010/main">
+                <a:solidFill>
+                  <a:schemeClr val="accent1"/>
+                </a:solidFill>
+              </a14:hiddenFill>
+            </a:ext>
+            <a:ext uri="{91240B29-F687-4F45-9708-019B960494DF}">
+              <a14:hiddenLine xmlns:a14="http://schemas.microsoft.com/office/drawing/2010/main" w="9525">
+                <a:solidFill>
+                  <a:schemeClr val="tx1"/>
+                </a:solidFill>
+                <a:miter lim="800000"/>
+                <a:headEnd/>
+                <a:tailEnd/>
+              </a14:hiddenLine>
+            </a:ext>
+            <a:ext uri="{AF507438-7753-43E0-B8FC-AC1667EBCBE1}">
+              <a14:hiddenEffects xmlns:a14="http://schemas.microsoft.com/office/drawing/2010/main">
+                <a:effectLst>
+                  <a:outerShdw dist="35921" dir="2700000" algn="ctr" rotWithShape="0">
+                    <a:schemeClr val="bg2"/>
+                  </a:outerShdw>
+                </a:effectLst>
+              </a14:hiddenEffects>
+            </a:ext>
+          </a:extLst>
+        </p:spPr>
+        <p:txBody>
+          <a:bodyPr vert="horz" wrap="none" lIns="91440" tIns="45720" rIns="91440" bIns="45720" numCol="1" anchor="ctr" anchorCtr="0" compatLnSpc="1">
+            <a:prstTxWarp prst="textNoShape">
+              <a:avLst/>
+            </a:prstTxWarp>
+            <a:spAutoFit/>
+          </a:bodyPr>
+          <a:lstStyle/>
+          <a:p>
+            <a:endParaRPr lang="ru-RU"/>
+          </a:p>
+        </p:txBody>
+      </p:sp>
+      <p:graphicFrame>
+        <p:nvGraphicFramePr>
+          <p:cNvPr id="4" name="Объект 3"/>
+          <p:cNvGraphicFramePr>
+            <a:graphicFrameLocks noChangeAspect="1"/>
+          </p:cNvGraphicFramePr>
+          <p:nvPr>
+            <p:extLst>
+              <p:ext uri="{D42A27DB-BD31-4B8C-83A1-F6EECF244321}">
+                <p14:modId xmlns:p14="http://schemas.microsoft.com/office/powerpoint/2010/main" val="271880420"/>
+              </p:ext>
+            </p:extLst>
+          </p:nvPr>
+        </p:nvGraphicFramePr>
+        <p:xfrm>
+          <a:off x="3581400" y="2590838"/>
+          <a:ext cx="1647825" cy="600075"/>
+        </p:xfrm>
+        <a:graphic>
+          <a:graphicData uri="http://schemas.openxmlformats.org/presentationml/2006/ole">
+            <mc:AlternateContent xmlns:mc="http://schemas.openxmlformats.org/markup-compatibility/2006">
+              <mc:Choice xmlns:v="urn:schemas-microsoft-com:vml" Requires="v">
+                <p:oleObj spid="_x0000_s2072" name="Equation" r:id="rId3" imgW="1651000" imgH="596900" progId="Equation.DSMT4">
+                  <p:embed/>
+                </p:oleObj>
+              </mc:Choice>
+              <mc:Fallback>
+                <p:oleObj name="Equation" r:id="rId3" imgW="1651000" imgH="596900" progId="Equation.DSMT4">
+                  <p:embed/>
+                  <p:pic>
+                    <p:nvPicPr>
+                      <p:cNvPr id="0" name="Object 1"/>
+                      <p:cNvPicPr>
+                        <a:picLocks noChangeAspect="1" noChangeArrowheads="1"/>
+                      </p:cNvPicPr>
+                      <p:nvPr/>
+                    </p:nvPicPr>
+                    <p:blipFill>
+                      <a:blip r:embed="rId4">
+                        <a:extLst>
+                          <a:ext uri="{28A0092B-C50C-407E-A947-70E740481C1C}">
+                            <a14:useLocalDpi xmlns:a14="http://schemas.microsoft.com/office/drawing/2010/main" val="0"/>
+                          </a:ext>
+                        </a:extLst>
+                      </a:blip>
+                      <a:srcRect/>
+                      <a:stretch>
+                        <a:fillRect/>
+                      </a:stretch>
+                    </p:blipFill>
+                    <p:spPr bwMode="auto">
+                      <a:xfrm>
+                        <a:off x="3581400" y="2590838"/>
+                        <a:ext cx="1647825" cy="600075"/>
+                      </a:xfrm>
+                      <a:prstGeom prst="rect">
+                        <a:avLst/>
+                      </a:prstGeom>
+                      <a:noFill/>
+                      <a:extLst>
+                        <a:ext uri="{909E8E84-426E-40DD-AFC4-6F175D3DCCD1}">
+                          <a14:hiddenFill xmlns:a14="http://schemas.microsoft.com/office/drawing/2010/main">
+                            <a:solidFill>
+                              <a:srgbClr val="FFFFFF"/>
+                            </a:solidFill>
+                          </a14:hiddenFill>
+                        </a:ext>
+                      </a:extLst>
+                    </p:spPr>
+                  </p:pic>
+                </p:oleObj>
+              </mc:Fallback>
+            </mc:AlternateContent>
+          </a:graphicData>
+        </a:graphic>
+      </p:graphicFrame>
+    </p:spTree>
+    <p:extLst>
+      <p:ext uri="{BB962C8B-B14F-4D97-AF65-F5344CB8AC3E}">
+        <p14:creationId xmlns:p14="http://schemas.microsoft.com/office/powerpoint/2010/main" val="2274017967"/>
+      </p:ext>
+    </p:extLst>
+  </p:cSld>
+  <p:clrMapOvr>
+    <a:masterClrMapping/>
+  </p:clrMapOvr>
+</p:sld>
+</file>
+
+<file path=ppt/slides/slide15.xml><?xml version="1.0" encoding="utf-8"?>
+<p:sld xmlns:a="http://schemas.openxmlformats.org/drawingml/2006/main" xmlns:r="http://schemas.openxmlformats.org/officeDocument/2006/relationships" xmlns:p="http://schemas.openxmlformats.org/presentationml/2006/main">
+  <p:cSld>
+    <p:spTree>
+      <p:nvGrpSpPr>
+        <p:cNvPr id="1" name=""/>
+        <p:cNvGrpSpPr/>
+        <p:nvPr/>
+      </p:nvGrpSpPr>
+      <p:grpSpPr>
+        <a:xfrm>
+          <a:off x="0" y="0"/>
+          <a:ext cx="0" cy="0"/>
+          <a:chOff x="0" y="0"/>
+          <a:chExt cx="0" cy="0"/>
+        </a:xfrm>
+      </p:grpSpPr>
+      <p:sp>
+        <p:nvSpPr>
+          <p:cNvPr id="2" name="Title 1"/>
+          <p:cNvSpPr>
+            <a:spLocks noGrp="1"/>
+          </p:cNvSpPr>
+          <p:nvPr>
+            <p:ph type="title"/>
+          </p:nvPr>
+        </p:nvSpPr>
+        <p:spPr/>
+        <p:txBody>
+          <a:bodyPr/>
+          <a:lstStyle/>
+          <a:p>
+            <a:r>
+              <a:rPr lang="ru-RU" dirty="0" smtClean="0"/>
+              <a:t>Экспериментальные результаты </a:t>
+            </a:r>
+            <a:endParaRPr lang="en-US" dirty="0"/>
+          </a:p>
+        </p:txBody>
+      </p:sp>
+      <p:sp>
+        <p:nvSpPr>
+          <p:cNvPr id="3" name="Content Placeholder 2"/>
+          <p:cNvSpPr>
+            <a:spLocks noGrp="1"/>
+          </p:cNvSpPr>
+          <p:nvPr>
+            <p:ph idx="1"/>
+          </p:nvPr>
+        </p:nvSpPr>
+        <p:spPr/>
+        <p:txBody>
+          <a:bodyPr>
+            <a:normAutofit fontScale="92500"/>
+          </a:bodyPr>
+          <a:lstStyle/>
+          <a:p>
+            <a:pPr marL="0" indent="0" algn="ctr">
+              <a:buNone/>
+            </a:pPr>
+            <a:r>
+              <a:rPr lang="ru-RU" dirty="0"/>
+              <a:t>Произведено детектирование параметров паттернов патологической активности с частотой 3Гц «эпи активность», разряд «эпи активности», разряд «пароксизмальный эпи активности», разряд комплексов «</a:t>
+            </a:r>
+            <a:r>
+              <a:rPr lang="ru-RU" dirty="0" err="1"/>
+              <a:t>полипик</a:t>
+            </a:r>
+            <a:r>
+              <a:rPr lang="ru-RU" dirty="0"/>
+              <a:t>» и поиск их в ЭЭГ с помощью разработанной методики</a:t>
+            </a:r>
+            <a:endParaRPr lang="en-US" dirty="0">
+              <a:solidFill>
+                <a:srgbClr val="FFFF00"/>
+              </a:solidFill>
+            </a:endParaRPr>
+          </a:p>
+        </p:txBody>
+      </p:sp>
+    </p:spTree>
+    <p:extLst>
+      <p:ext uri="{BB962C8B-B14F-4D97-AF65-F5344CB8AC3E}">
+        <p14:creationId xmlns:p14="http://schemas.microsoft.com/office/powerpoint/2010/main" val="410387577"/>
+      </p:ext>
+    </p:extLst>
+  </p:cSld>
+  <p:clrMapOvr>
+    <a:masterClrMapping/>
+  </p:clrMapOvr>
+</p:sld>
+</file>
+
+<file path=ppt/slides/slide16.xml><?xml version="1.0" encoding="utf-8"?>
+<p:sld xmlns:a="http://schemas.openxmlformats.org/drawingml/2006/main" xmlns:r="http://schemas.openxmlformats.org/officeDocument/2006/relationships" xmlns:p="http://schemas.openxmlformats.org/presentationml/2006/main">
+  <p:cSld>
+    <p:spTree>
+      <p:nvGrpSpPr>
+        <p:cNvPr id="1" name=""/>
+        <p:cNvGrpSpPr/>
+        <p:nvPr/>
+      </p:nvGrpSpPr>
+      <p:grpSpPr>
+        <a:xfrm>
+          <a:off x="0" y="0"/>
+          <a:ext cx="0" cy="0"/>
+          <a:chOff x="0" y="0"/>
+          <a:chExt cx="0" cy="0"/>
+        </a:xfrm>
+      </p:grpSpPr>
+      <p:sp>
+        <p:nvSpPr>
+          <p:cNvPr id="2" name="Title 1"/>
+          <p:cNvSpPr>
+            <a:spLocks noGrp="1"/>
+          </p:cNvSpPr>
+          <p:nvPr>
+            <p:ph type="title"/>
+          </p:nvPr>
+        </p:nvSpPr>
+        <p:spPr/>
+        <p:txBody>
+          <a:bodyPr/>
+          <a:lstStyle/>
+          <a:p>
+            <a:endParaRPr lang="en-US" dirty="0"/>
+          </a:p>
+        </p:txBody>
+      </p:sp>
+      <p:sp>
+        <p:nvSpPr>
+          <p:cNvPr id="3" name="Content Placeholder 2"/>
+          <p:cNvSpPr>
+            <a:spLocks noGrp="1"/>
+          </p:cNvSpPr>
+          <p:nvPr>
+            <p:ph idx="1"/>
+          </p:nvPr>
+        </p:nvSpPr>
+        <p:spPr/>
+        <p:txBody>
+          <a:bodyPr>
+            <a:normAutofit/>
+          </a:bodyPr>
+          <a:lstStyle/>
+          <a:p>
+            <a:pPr marL="0" indent="0" algn="ctr">
+              <a:buNone/>
+            </a:pPr>
+            <a:endParaRPr lang="ru-RU" dirty="0" smtClean="0"/>
+          </a:p>
+          <a:p>
+            <a:pPr marL="0" indent="0" algn="ctr">
+              <a:buNone/>
+            </a:pPr>
+            <a:endParaRPr lang="ru-RU" dirty="0"/>
+          </a:p>
+          <a:p>
+            <a:pPr marL="0" indent="0" algn="ctr">
+              <a:buNone/>
+            </a:pPr>
+            <a:r>
+              <a:rPr lang="ru-RU" dirty="0" smtClean="0"/>
+              <a:t>Спасибо за внимание</a:t>
+            </a:r>
+            <a:endParaRPr lang="en-US" dirty="0"/>
+          </a:p>
+        </p:txBody>
+      </p:sp>
+    </p:spTree>
+    <p:extLst>
+      <p:ext uri="{BB962C8B-B14F-4D97-AF65-F5344CB8AC3E}">
+        <p14:creationId xmlns:p14="http://schemas.microsoft.com/office/powerpoint/2010/main" val="2346941796"/>
+      </p:ext>
+    </p:extLst>
+  </p:cSld>
+  <p:clrMapOvr>
+    <a:masterClrMapping/>
+  </p:clrMapOvr>
 </p:sld>
 </file>
 
@@ -3517,58 +5637,57 @@
         </p:nvSpPr>
         <p:spPr/>
         <p:txBody>
-          <a:bodyPr/>
-          <a:lstStyle/>
-          <a:p>
-            <a:r>
-              <a:rPr lang="ru-RU" dirty="0" smtClean="0"/>
-              <a:t>Актуальность темы</a:t>
-            </a:r>
-            <a:endParaRPr lang="en-US" dirty="0"/>
-          </a:p>
-        </p:txBody>
-      </p:sp>
-      <p:sp>
-        <p:nvSpPr>
-          <p:cNvPr id="3" name="Content Placeholder 2"/>
-          <p:cNvSpPr>
-            <a:spLocks noGrp="1"/>
-          </p:cNvSpPr>
-          <p:nvPr>
-            <p:ph idx="1"/>
-          </p:nvPr>
-        </p:nvSpPr>
-        <p:spPr/>
-        <p:txBody>
           <a:bodyPr>
             <a:normAutofit/>
           </a:bodyPr>
           <a:lstStyle/>
           <a:p>
+            <a:r>
+              <a:rPr lang="ru-RU" dirty="0" smtClean="0"/>
+              <a:t>Актуальность </a:t>
+            </a:r>
+            <a:endParaRPr lang="en-US" dirty="0"/>
+          </a:p>
+        </p:txBody>
+      </p:sp>
+      <p:sp>
+        <p:nvSpPr>
+          <p:cNvPr id="3" name="Content Placeholder 2"/>
+          <p:cNvSpPr>
+            <a:spLocks noGrp="1"/>
+          </p:cNvSpPr>
+          <p:nvPr>
+            <p:ph idx="1"/>
+          </p:nvPr>
+        </p:nvSpPr>
+        <p:spPr>
+          <a:xfrm>
+            <a:off x="457200" y="1657350"/>
+            <a:ext cx="8229600" cy="1981199"/>
+          </a:xfrm>
+        </p:spPr>
+        <p:txBody>
+          <a:bodyPr>
+            <a:noAutofit/>
+          </a:bodyPr>
+          <a:lstStyle/>
+          <a:p>
             <a:pPr marL="0" indent="0" algn="ctr">
               <a:buNone/>
             </a:pPr>
             <a:r>
-              <a:rPr lang="ru-RU" dirty="0">
-                <a:solidFill>
-                  <a:srgbClr val="FFFF00"/>
-                </a:solidFill>
-              </a:rPr>
-              <a:t>Патологическая активность в сигналах ЭЭГ выражена очень нестационарными частотно-временными параметрами и поэтому является актуальной задачей для научных </a:t>
-            </a:r>
-            <a:r>
-              <a:rPr lang="ru-RU" dirty="0" smtClean="0">
-                <a:solidFill>
-                  <a:srgbClr val="FFFF00"/>
-                </a:solidFill>
-              </a:rPr>
-              <a:t>исследований.</a:t>
-            </a:r>
-            <a:endParaRPr lang="en-US" dirty="0">
-              <a:solidFill>
-                <a:srgbClr val="FFFF00"/>
-              </a:solidFill>
-            </a:endParaRPr>
+              <a:rPr lang="ru-RU" sz="2800" dirty="0" smtClean="0"/>
+              <a:t>Проблема </a:t>
+            </a:r>
+            <a:r>
+              <a:rPr lang="ru-RU" sz="2800" dirty="0"/>
+              <a:t>корректной интерпретации </a:t>
+            </a:r>
+            <a:r>
+              <a:rPr lang="ru-RU" sz="2800" dirty="0" smtClean="0"/>
+              <a:t> результатов  ЭЭГ исследования</a:t>
+            </a:r>
+            <a:endParaRPr lang="en-US" sz="2800" dirty="0"/>
           </a:p>
         </p:txBody>
       </p:sp>
@@ -3614,12 +5733,14 @@
         </p:nvSpPr>
         <p:spPr/>
         <p:txBody>
-          <a:bodyPr/>
-          <a:lstStyle/>
-          <a:p>
-            <a:r>
-              <a:rPr lang="ru-RU" dirty="0" smtClean="0"/>
-              <a:t>Задачи исследования</a:t>
+          <a:bodyPr>
+            <a:normAutofit/>
+          </a:bodyPr>
+          <a:lstStyle/>
+          <a:p>
+            <a:r>
+              <a:rPr lang="ru-RU" dirty="0"/>
+              <a:t>Практическая значимость</a:t>
             </a:r>
             <a:endParaRPr lang="en-US" dirty="0"/>
           </a:p>
@@ -3627,650 +5748,53 @@
       </p:sp>
       <p:sp>
         <p:nvSpPr>
-          <p:cNvPr id="8" name="Rectangle 7"/>
-          <p:cNvSpPr/>
-          <p:nvPr/>
+          <p:cNvPr id="3" name="Content Placeholder 2"/>
+          <p:cNvSpPr>
+            <a:spLocks noGrp="1"/>
+          </p:cNvSpPr>
+          <p:nvPr>
+            <p:ph idx="1"/>
+          </p:nvPr>
         </p:nvSpPr>
         <p:spPr>
           <a:xfrm>
-            <a:off x="1463385" y="2724150"/>
-            <a:ext cx="6893577" cy="970620"/>
+            <a:off x="457200" y="1962151"/>
+            <a:ext cx="8229600" cy="1524000"/>
           </a:xfrm>
-          <a:prstGeom prst="rect">
-            <a:avLst/>
-          </a:prstGeom>
-          <a:solidFill>
-            <a:schemeClr val="accent1">
-              <a:lumMod val="20000"/>
-              <a:lumOff val="80000"/>
-            </a:schemeClr>
-          </a:solidFill>
-          <a:ln w="25400" cap="flat" cmpd="sng" algn="ctr">
-            <a:solidFill>
-              <a:schemeClr val="accent1"/>
-            </a:solidFill>
-            <a:prstDash val="solid"/>
-          </a:ln>
-          <a:effectLst/>
         </p:spPr>
         <p:txBody>
-          <a:bodyPr rtlCol="0" anchor="ctr"/>
-          <a:lstStyle/>
-          <a:p>
-            <a:pPr marL="0" marR="0" lvl="0" indent="0" algn="ctr" defTabSz="914400" eaLnBrk="1" fontAlgn="auto" latinLnBrk="0" hangingPunct="1">
-              <a:lnSpc>
-                <a:spcPct val="100000"/>
-              </a:lnSpc>
-              <a:spcBef>
-                <a:spcPts val="0"/>
-              </a:spcBef>
-              <a:spcAft>
-                <a:spcPts val="0"/>
-              </a:spcAft>
-              <a:buClrTx/>
-              <a:buSzTx/>
-              <a:buFontTx/>
-              <a:buNone/>
-              <a:tabLst/>
-              <a:defRPr/>
+          <a:bodyPr>
+            <a:noAutofit/>
+          </a:bodyPr>
+          <a:lstStyle/>
+          <a:p>
+            <a:pPr marL="0" indent="0" algn="ctr">
+              <a:buNone/>
             </a:pPr>
             <a:r>
-              <a:rPr kumimoji="0" lang="en-US" sz="1800" b="0" i="0" u="none" strike="noStrike" kern="0" cap="none" spc="0" normalizeH="0" baseline="0" noProof="0" dirty="0" smtClean="0">
-                <a:ln>
-                  <a:noFill/>
-                </a:ln>
-                <a:solidFill>
-                  <a:sysClr val="window" lastClr="FFFFFF"/>
-                </a:solidFill>
-                <a:effectLst/>
-                <a:uLnTx/>
-                <a:uFillTx/>
-                <a:latin typeface="Arial" pitchFamily="34" charset="0"/>
-                <a:ea typeface="+mn-ea"/>
-                <a:cs typeface="Arial" pitchFamily="34" charset="0"/>
-              </a:rPr>
-              <a:t> </a:t>
-            </a:r>
-            <a:endParaRPr kumimoji="0" lang="en-US" sz="1800" b="0" i="0" u="none" strike="noStrike" kern="0" cap="none" spc="0" normalizeH="0" baseline="0" noProof="0" dirty="0">
-              <a:ln>
-                <a:noFill/>
-              </a:ln>
-              <a:solidFill>
-                <a:sysClr val="window" lastClr="FFFFFF"/>
-              </a:solidFill>
-              <a:effectLst/>
-              <a:uLnTx/>
-              <a:uFillTx/>
-              <a:latin typeface="Arial" pitchFamily="34" charset="0"/>
-              <a:ea typeface="+mn-ea"/>
-              <a:cs typeface="Arial" pitchFamily="34" charset="0"/>
-            </a:endParaRPr>
-          </a:p>
-        </p:txBody>
-      </p:sp>
-      <p:sp>
-        <p:nvSpPr>
-          <p:cNvPr id="12" name="Rectangle 11"/>
-          <p:cNvSpPr/>
-          <p:nvPr/>
-        </p:nvSpPr>
-        <p:spPr>
-          <a:xfrm>
-            <a:off x="1447800" y="1267809"/>
-            <a:ext cx="6909163" cy="1303941"/>
-          </a:xfrm>
-          <a:prstGeom prst="rect">
-            <a:avLst/>
-          </a:prstGeom>
-          <a:solidFill>
-            <a:schemeClr val="accent1">
-              <a:lumMod val="20000"/>
-              <a:lumOff val="80000"/>
-            </a:schemeClr>
-          </a:solidFill>
-          <a:ln w="25400" cap="flat" cmpd="sng" algn="ctr">
-            <a:solidFill>
-              <a:schemeClr val="accent1"/>
-            </a:solidFill>
-            <a:prstDash val="solid"/>
-          </a:ln>
-          <a:effectLst/>
-        </p:spPr>
-        <p:txBody>
-          <a:bodyPr rtlCol="0" anchor="ctr"/>
-          <a:lstStyle/>
-          <a:p>
-            <a:pPr marL="0" marR="0" lvl="0" indent="0" algn="ctr" defTabSz="914400" eaLnBrk="1" fontAlgn="auto" latinLnBrk="0" hangingPunct="1">
-              <a:lnSpc>
-                <a:spcPct val="100000"/>
-              </a:lnSpc>
-              <a:spcBef>
-                <a:spcPts val="0"/>
-              </a:spcBef>
-              <a:spcAft>
-                <a:spcPts val="0"/>
-              </a:spcAft>
-              <a:buClrTx/>
-              <a:buSzTx/>
-              <a:buFontTx/>
-              <a:buNone/>
-              <a:tabLst/>
-              <a:defRPr/>
-            </a:pPr>
-            <a:r>
-              <a:rPr kumimoji="0" lang="en-US" sz="1800" b="0" i="0" u="none" strike="noStrike" kern="0" cap="none" spc="0" normalizeH="0" baseline="0" noProof="0" dirty="0" smtClean="0">
-                <a:ln>
-                  <a:noFill/>
-                </a:ln>
-                <a:solidFill>
-                  <a:sysClr val="window" lastClr="FFFFFF"/>
-                </a:solidFill>
-                <a:effectLst/>
-                <a:uLnTx/>
-                <a:uFillTx/>
-                <a:latin typeface="Arial" pitchFamily="34" charset="0"/>
-                <a:ea typeface="+mn-ea"/>
-                <a:cs typeface="Arial" pitchFamily="34" charset="0"/>
-              </a:rPr>
-              <a:t> </a:t>
-            </a:r>
-            <a:endParaRPr kumimoji="0" lang="en-US" sz="1800" b="0" i="0" u="none" strike="noStrike" kern="0" cap="none" spc="0" normalizeH="0" baseline="0" noProof="0" dirty="0">
-              <a:ln>
-                <a:noFill/>
-              </a:ln>
-              <a:solidFill>
-                <a:sysClr val="window" lastClr="FFFFFF"/>
-              </a:solidFill>
-              <a:effectLst/>
-              <a:uLnTx/>
-              <a:uFillTx/>
-              <a:latin typeface="Arial" pitchFamily="34" charset="0"/>
-              <a:ea typeface="+mn-ea"/>
-              <a:cs typeface="Arial" pitchFamily="34" charset="0"/>
-            </a:endParaRPr>
-          </a:p>
-        </p:txBody>
-      </p:sp>
-      <p:sp>
-        <p:nvSpPr>
-          <p:cNvPr id="13" name="TextBox 12"/>
-          <p:cNvSpPr txBox="1"/>
-          <p:nvPr/>
-        </p:nvSpPr>
-        <p:spPr>
-          <a:xfrm>
-            <a:off x="1676400" y="1295221"/>
-            <a:ext cx="6680563" cy="1200329"/>
-          </a:xfrm>
-          <a:prstGeom prst="rect">
-            <a:avLst/>
-          </a:prstGeom>
-          <a:noFill/>
-        </p:spPr>
-        <p:txBody>
-          <a:bodyPr wrap="square" rtlCol="0">
-            <a:spAutoFit/>
-          </a:bodyPr>
-          <a:lstStyle/>
-          <a:p>
-            <a:r>
-              <a:rPr lang="ru-RU" sz="2400" dirty="0" smtClean="0"/>
-              <a:t>Проанализировать частотно-временные параметры </a:t>
-            </a:r>
-            <a:r>
-              <a:rPr lang="ru-RU" sz="2400" dirty="0"/>
-              <a:t>нормальной и патологической активности в сигналах ЭЭГ</a:t>
-            </a:r>
-            <a:endParaRPr lang="en-US" sz="2300" dirty="0">
-              <a:latin typeface="Arial" pitchFamily="34" charset="0"/>
-              <a:cs typeface="Arial" pitchFamily="34" charset="0"/>
-            </a:endParaRPr>
-          </a:p>
-        </p:txBody>
-      </p:sp>
-      <p:sp>
-        <p:nvSpPr>
-          <p:cNvPr id="14" name="Rectangle 13"/>
-          <p:cNvSpPr/>
-          <p:nvPr/>
-        </p:nvSpPr>
-        <p:spPr>
-          <a:xfrm>
-            <a:off x="228600" y="1420209"/>
-            <a:ext cx="792272" cy="618141"/>
-          </a:xfrm>
-          <a:prstGeom prst="rect">
-            <a:avLst/>
-          </a:prstGeom>
-          <a:solidFill>
-            <a:schemeClr val="accent1"/>
-          </a:solidFill>
-          <a:ln w="25400" cap="flat" cmpd="sng" algn="ctr">
-            <a:solidFill>
-              <a:schemeClr val="accent1">
-                <a:lumMod val="50000"/>
-              </a:schemeClr>
-            </a:solidFill>
-            <a:prstDash val="solid"/>
-          </a:ln>
-          <a:effectLst/>
-        </p:spPr>
-        <p:txBody>
-          <a:bodyPr rtlCol="0" anchor="ctr"/>
-          <a:lstStyle/>
-          <a:p>
-            <a:pPr marL="0" marR="0" lvl="0" indent="0" algn="ctr" defTabSz="914400" eaLnBrk="1" fontAlgn="auto" latinLnBrk="0" hangingPunct="1">
-              <a:lnSpc>
-                <a:spcPct val="100000"/>
-              </a:lnSpc>
-              <a:spcBef>
-                <a:spcPts val="0"/>
-              </a:spcBef>
-              <a:spcAft>
-                <a:spcPts val="0"/>
-              </a:spcAft>
-              <a:buClrTx/>
-              <a:buSzTx/>
-              <a:buFontTx/>
-              <a:buNone/>
-              <a:tabLst/>
-              <a:defRPr/>
-            </a:pPr>
-            <a:r>
-              <a:rPr kumimoji="0" lang="ru-RU" sz="2400" b="1" i="0" u="none" strike="noStrike" kern="0" cap="none" spc="0" normalizeH="0" baseline="0" noProof="0" dirty="0" smtClean="0">
-                <a:ln>
-                  <a:noFill/>
-                </a:ln>
-                <a:solidFill>
-                  <a:sysClr val="window" lastClr="FFFFFF"/>
-                </a:solidFill>
-                <a:effectLst>
-                  <a:outerShdw blurRad="38100" dist="38100" dir="2700000" algn="tl">
-                    <a:srgbClr val="000000">
-                      <a:alpha val="43137"/>
-                    </a:srgbClr>
-                  </a:outerShdw>
-                </a:effectLst>
-                <a:uLnTx/>
-                <a:uFillTx/>
-                <a:latin typeface="Arial" pitchFamily="34" charset="0"/>
-                <a:ea typeface="+mn-ea"/>
-                <a:cs typeface="Arial" pitchFamily="34" charset="0"/>
-              </a:rPr>
-              <a:t>1</a:t>
-            </a:r>
-            <a:endParaRPr kumimoji="0" lang="en-US" sz="2400" b="1" i="0" u="none" strike="noStrike" kern="0" cap="none" spc="0" normalizeH="0" baseline="0" noProof="0" dirty="0">
-              <a:ln>
-                <a:noFill/>
-              </a:ln>
-              <a:solidFill>
-                <a:sysClr val="window" lastClr="FFFFFF"/>
-              </a:solidFill>
-              <a:effectLst>
-                <a:outerShdw blurRad="38100" dist="38100" dir="2700000" algn="tl">
-                  <a:srgbClr val="000000">
-                    <a:alpha val="43137"/>
-                  </a:srgbClr>
-                </a:outerShdw>
-              </a:effectLst>
-              <a:uLnTx/>
-              <a:uFillTx/>
-              <a:latin typeface="Arial" pitchFamily="34" charset="0"/>
-              <a:ea typeface="+mn-ea"/>
-              <a:cs typeface="Arial" pitchFamily="34" charset="0"/>
-            </a:endParaRPr>
-          </a:p>
-        </p:txBody>
-      </p:sp>
-      <p:sp>
-        <p:nvSpPr>
-          <p:cNvPr id="16" name="TextBox 15"/>
-          <p:cNvSpPr txBox="1"/>
-          <p:nvPr/>
-        </p:nvSpPr>
-        <p:spPr>
-          <a:xfrm>
-            <a:off x="1676400" y="2731353"/>
-            <a:ext cx="6553200" cy="830997"/>
-          </a:xfrm>
-          <a:prstGeom prst="rect">
-            <a:avLst/>
-          </a:prstGeom>
-          <a:noFill/>
-        </p:spPr>
-        <p:txBody>
-          <a:bodyPr wrap="square" rtlCol="0">
-            <a:spAutoFit/>
-          </a:bodyPr>
-          <a:lstStyle/>
-          <a:p>
-            <a:r>
-              <a:rPr lang="ru-RU" sz="2400" dirty="0" smtClean="0"/>
-              <a:t>Разработать методику </a:t>
-            </a:r>
-            <a:r>
-              <a:rPr lang="ru-RU" sz="2400" dirty="0"/>
-              <a:t>поиска паттернов патологической активности в сигналах ЭЭГ</a:t>
-            </a:r>
-            <a:endParaRPr lang="en-US" sz="2300" dirty="0">
-              <a:latin typeface="Arial" pitchFamily="34" charset="0"/>
-              <a:cs typeface="Arial" pitchFamily="34" charset="0"/>
-            </a:endParaRPr>
-          </a:p>
-        </p:txBody>
-      </p:sp>
-      <p:sp>
-        <p:nvSpPr>
-          <p:cNvPr id="17" name="Rectangle 4"/>
-          <p:cNvSpPr/>
-          <p:nvPr/>
-        </p:nvSpPr>
-        <p:spPr>
-          <a:xfrm>
-            <a:off x="228600" y="2881893"/>
-            <a:ext cx="792272" cy="618141"/>
-          </a:xfrm>
-          <a:prstGeom prst="rect">
-            <a:avLst/>
-          </a:prstGeom>
-          <a:solidFill>
-            <a:schemeClr val="accent1"/>
-          </a:solidFill>
-          <a:ln w="25400" cap="flat" cmpd="sng" algn="ctr">
-            <a:solidFill>
-              <a:schemeClr val="accent1">
-                <a:lumMod val="50000"/>
-              </a:schemeClr>
-            </a:solidFill>
-            <a:prstDash val="solid"/>
-          </a:ln>
-          <a:effectLst/>
-        </p:spPr>
-        <p:txBody>
-          <a:bodyPr rtlCol="0" anchor="ctr"/>
-          <a:lstStyle/>
-          <a:p>
-            <a:pPr marL="0" marR="0" lvl="0" indent="0" algn="ctr" defTabSz="914400" eaLnBrk="1" fontAlgn="auto" latinLnBrk="0" hangingPunct="1">
-              <a:lnSpc>
-                <a:spcPct val="100000"/>
-              </a:lnSpc>
-              <a:spcBef>
-                <a:spcPts val="0"/>
-              </a:spcBef>
-              <a:spcAft>
-                <a:spcPts val="0"/>
-              </a:spcAft>
-              <a:buClrTx/>
-              <a:buSzTx/>
-              <a:buFontTx/>
-              <a:buNone/>
-              <a:tabLst/>
-              <a:defRPr/>
-            </a:pPr>
-            <a:r>
-              <a:rPr kumimoji="0" lang="en-US" sz="2400" b="1" i="0" u="none" strike="noStrike" kern="0" cap="none" spc="0" normalizeH="0" baseline="0" noProof="0" dirty="0" smtClean="0">
-                <a:ln>
-                  <a:noFill/>
-                </a:ln>
-                <a:solidFill>
-                  <a:sysClr val="window" lastClr="FFFFFF"/>
-                </a:solidFill>
-                <a:effectLst>
-                  <a:outerShdw blurRad="38100" dist="38100" dir="2700000" algn="tl">
-                    <a:srgbClr val="000000">
-                      <a:alpha val="43137"/>
-                    </a:srgbClr>
-                  </a:outerShdw>
-                </a:effectLst>
-                <a:uLnTx/>
-                <a:uFillTx/>
-                <a:latin typeface="Arial" pitchFamily="34" charset="0"/>
-                <a:ea typeface="+mn-ea"/>
-                <a:cs typeface="Arial" pitchFamily="34" charset="0"/>
-              </a:rPr>
-              <a:t>2</a:t>
-            </a:r>
-            <a:endParaRPr kumimoji="0" lang="en-US" sz="2400" b="1" i="0" u="none" strike="noStrike" kern="0" cap="none" spc="0" normalizeH="0" baseline="0" noProof="0" dirty="0">
-              <a:ln>
-                <a:noFill/>
-              </a:ln>
-              <a:solidFill>
-                <a:sysClr val="window" lastClr="FFFFFF"/>
-              </a:solidFill>
-              <a:effectLst>
-                <a:outerShdw blurRad="38100" dist="38100" dir="2700000" algn="tl">
-                  <a:srgbClr val="000000">
-                    <a:alpha val="43137"/>
-                  </a:srgbClr>
-                </a:outerShdw>
-              </a:effectLst>
-              <a:uLnTx/>
-              <a:uFillTx/>
-              <a:latin typeface="Arial" pitchFamily="34" charset="0"/>
-              <a:ea typeface="+mn-ea"/>
-              <a:cs typeface="Arial" pitchFamily="34" charset="0"/>
-            </a:endParaRPr>
-          </a:p>
-        </p:txBody>
-      </p:sp>
-      <p:sp>
-        <p:nvSpPr>
-          <p:cNvPr id="19" name="Rectangle 7"/>
-          <p:cNvSpPr/>
-          <p:nvPr/>
-        </p:nvSpPr>
-        <p:spPr>
-          <a:xfrm>
-            <a:off x="1463384" y="3867150"/>
-            <a:ext cx="6893577" cy="1143000"/>
-          </a:xfrm>
-          <a:prstGeom prst="rect">
-            <a:avLst/>
-          </a:prstGeom>
-          <a:solidFill>
-            <a:schemeClr val="accent1">
-              <a:lumMod val="20000"/>
-              <a:lumOff val="80000"/>
-            </a:schemeClr>
-          </a:solidFill>
-          <a:ln w="25400" cap="flat" cmpd="sng" algn="ctr">
-            <a:solidFill>
-              <a:schemeClr val="accent1"/>
-            </a:solidFill>
-            <a:prstDash val="solid"/>
-          </a:ln>
-          <a:effectLst/>
-        </p:spPr>
-        <p:txBody>
-          <a:bodyPr rtlCol="0" anchor="ctr"/>
-          <a:lstStyle/>
-          <a:p>
-            <a:pPr marL="0" marR="0" lvl="0" indent="0" algn="ctr" defTabSz="914400" eaLnBrk="1" fontAlgn="auto" latinLnBrk="0" hangingPunct="1">
-              <a:lnSpc>
-                <a:spcPct val="100000"/>
-              </a:lnSpc>
-              <a:spcBef>
-                <a:spcPts val="0"/>
-              </a:spcBef>
-              <a:spcAft>
-                <a:spcPts val="0"/>
-              </a:spcAft>
-              <a:buClrTx/>
-              <a:buSzTx/>
-              <a:buFontTx/>
-              <a:buNone/>
-              <a:tabLst/>
-              <a:defRPr/>
-            </a:pPr>
-            <a:r>
-              <a:rPr kumimoji="0" lang="en-US" sz="1800" b="0" i="0" u="none" strike="noStrike" kern="0" cap="none" spc="0" normalizeH="0" baseline="0" noProof="0" dirty="0" smtClean="0">
-                <a:ln>
-                  <a:noFill/>
-                </a:ln>
-                <a:solidFill>
-                  <a:sysClr val="window" lastClr="FFFFFF"/>
-                </a:solidFill>
-                <a:effectLst/>
-                <a:uLnTx/>
-                <a:uFillTx/>
-                <a:latin typeface="Arial" pitchFamily="34" charset="0"/>
-                <a:ea typeface="+mn-ea"/>
-                <a:cs typeface="Arial" pitchFamily="34" charset="0"/>
-              </a:rPr>
-              <a:t> </a:t>
-            </a:r>
-            <a:endParaRPr kumimoji="0" lang="en-US" sz="1800" b="0" i="0" u="none" strike="noStrike" kern="0" cap="none" spc="0" normalizeH="0" baseline="0" noProof="0" dirty="0">
-              <a:ln>
-                <a:noFill/>
-              </a:ln>
-              <a:solidFill>
-                <a:sysClr val="window" lastClr="FFFFFF"/>
-              </a:solidFill>
-              <a:effectLst/>
-              <a:uLnTx/>
-              <a:uFillTx/>
-              <a:latin typeface="Arial" pitchFamily="34" charset="0"/>
-              <a:ea typeface="+mn-ea"/>
-              <a:cs typeface="Arial" pitchFamily="34" charset="0"/>
-            </a:endParaRPr>
-          </a:p>
-        </p:txBody>
-      </p:sp>
-      <p:sp>
-        <p:nvSpPr>
-          <p:cNvPr id="20" name="TextBox 19"/>
-          <p:cNvSpPr txBox="1"/>
-          <p:nvPr/>
-        </p:nvSpPr>
-        <p:spPr>
-          <a:xfrm>
-            <a:off x="1676400" y="4026753"/>
-            <a:ext cx="6553200" cy="830997"/>
-          </a:xfrm>
-          <a:prstGeom prst="rect">
-            <a:avLst/>
-          </a:prstGeom>
-          <a:noFill/>
-        </p:spPr>
-        <p:txBody>
-          <a:bodyPr wrap="square" rtlCol="0">
-            <a:spAutoFit/>
-          </a:bodyPr>
-          <a:lstStyle/>
-          <a:p>
-            <a:r>
-              <a:rPr lang="ru-RU" sz="2400" dirty="0" smtClean="0"/>
-              <a:t>Детектировать патологическую </a:t>
-            </a:r>
-            <a:r>
-              <a:rPr lang="ru-RU" sz="2400" dirty="0"/>
-              <a:t>активность в сигналах ЭЭГ по разработанной методике</a:t>
-            </a:r>
-            <a:endParaRPr lang="en-US" sz="2300" dirty="0">
-              <a:latin typeface="Arial" pitchFamily="34" charset="0"/>
-              <a:cs typeface="Arial" pitchFamily="34" charset="0"/>
-            </a:endParaRPr>
-          </a:p>
-        </p:txBody>
-      </p:sp>
-      <p:sp>
-        <p:nvSpPr>
-          <p:cNvPr id="21" name="Rectangle 6"/>
-          <p:cNvSpPr/>
-          <p:nvPr/>
-        </p:nvSpPr>
-        <p:spPr>
-          <a:xfrm>
-            <a:off x="228600" y="4034506"/>
-            <a:ext cx="792272" cy="618141"/>
-          </a:xfrm>
-          <a:prstGeom prst="rect">
-            <a:avLst/>
-          </a:prstGeom>
-          <a:solidFill>
-            <a:schemeClr val="accent1"/>
-          </a:solidFill>
-          <a:ln w="25400" cap="flat" cmpd="sng" algn="ctr">
-            <a:solidFill>
-              <a:schemeClr val="accent1">
-                <a:lumMod val="50000"/>
-              </a:schemeClr>
-            </a:solidFill>
-            <a:prstDash val="solid"/>
-          </a:ln>
-          <a:effectLst/>
-        </p:spPr>
-        <p:txBody>
-          <a:bodyPr rtlCol="0" anchor="ctr"/>
-          <a:lstStyle/>
-          <a:p>
-            <a:pPr marL="0" marR="0" lvl="0" indent="0" algn="ctr" defTabSz="914400" eaLnBrk="1" fontAlgn="auto" latinLnBrk="0" hangingPunct="1">
-              <a:lnSpc>
-                <a:spcPct val="100000"/>
-              </a:lnSpc>
-              <a:spcBef>
-                <a:spcPts val="0"/>
-              </a:spcBef>
-              <a:spcAft>
-                <a:spcPts val="0"/>
-              </a:spcAft>
-              <a:buClrTx/>
-              <a:buSzTx/>
-              <a:buFontTx/>
-              <a:buNone/>
-              <a:tabLst/>
-              <a:defRPr/>
-            </a:pPr>
-            <a:r>
-              <a:rPr kumimoji="0" lang="en-US" sz="2400" b="1" i="0" u="none" strike="noStrike" kern="0" cap="none" spc="0" normalizeH="0" baseline="0" noProof="0" dirty="0" smtClean="0">
-                <a:ln>
-                  <a:noFill/>
-                </a:ln>
-                <a:solidFill>
-                  <a:sysClr val="window" lastClr="FFFFFF"/>
-                </a:solidFill>
-                <a:effectLst>
-                  <a:outerShdw blurRad="38100" dist="38100" dir="2700000" algn="tl">
-                    <a:srgbClr val="000000">
-                      <a:alpha val="43137"/>
-                    </a:srgbClr>
-                  </a:outerShdw>
-                </a:effectLst>
-                <a:uLnTx/>
-                <a:uFillTx/>
-                <a:latin typeface="Arial" pitchFamily="34" charset="0"/>
-                <a:ea typeface="+mn-ea"/>
-                <a:cs typeface="Arial" pitchFamily="34" charset="0"/>
-              </a:rPr>
-              <a:t>3</a:t>
-            </a:r>
-            <a:endParaRPr kumimoji="0" lang="en-US" sz="2400" b="1" i="0" u="none" strike="noStrike" kern="0" cap="none" spc="0" normalizeH="0" baseline="0" noProof="0" dirty="0">
-              <a:ln>
-                <a:noFill/>
-              </a:ln>
-              <a:solidFill>
-                <a:sysClr val="window" lastClr="FFFFFF"/>
-              </a:solidFill>
-              <a:effectLst>
-                <a:outerShdw blurRad="38100" dist="38100" dir="2700000" algn="tl">
-                  <a:srgbClr val="000000">
-                    <a:alpha val="43137"/>
-                  </a:srgbClr>
-                </a:outerShdw>
-              </a:effectLst>
-              <a:uLnTx/>
-              <a:uFillTx/>
-              <a:latin typeface="Arial" pitchFamily="34" charset="0"/>
-              <a:ea typeface="+mn-ea"/>
-              <a:cs typeface="Arial" pitchFamily="34" charset="0"/>
-            </a:endParaRPr>
+              <a:rPr lang="ru-RU" sz="3000" dirty="0" smtClean="0"/>
+              <a:t>заключается </a:t>
+            </a:r>
+            <a:r>
+              <a:rPr lang="ru-RU" sz="3000" dirty="0"/>
+              <a:t>в том, что разработанная методика </a:t>
+            </a:r>
+            <a:r>
+              <a:rPr lang="ru-RU" sz="3000" dirty="0" smtClean="0"/>
+              <a:t>позволит </a:t>
+            </a:r>
+            <a:r>
+              <a:rPr lang="ru-RU" sz="3000" dirty="0"/>
+              <a:t>автоматизировать детектирование патологической активности и ускорит процесс анализа ЭЭГ</a:t>
+            </a:r>
+            <a:endParaRPr lang="en-US" sz="3000" dirty="0"/>
           </a:p>
         </p:txBody>
       </p:sp>
     </p:spTree>
     <p:extLst>
       <p:ext uri="{BB962C8B-B14F-4D97-AF65-F5344CB8AC3E}">
-        <p14:creationId xmlns:p14="http://schemas.microsoft.com/office/powerpoint/2010/main" val="935866129"/>
+        <p14:creationId xmlns:p14="http://schemas.microsoft.com/office/powerpoint/2010/main" val="386813368"/>
       </p:ext>
     </p:extLst>
   </p:cSld>
@@ -4322,13 +5846,351 @@
       </p:sp>
       <p:sp>
         <p:nvSpPr>
-          <p:cNvPr id="5" name="Rectangle 4"/>
+          <p:cNvPr id="8" name="Rectangle 7"/>
           <p:cNvSpPr/>
           <p:nvPr/>
         </p:nvSpPr>
         <p:spPr>
           <a:xfrm>
-            <a:off x="1219200" y="2164058"/>
+            <a:off x="1463385" y="2724150"/>
+            <a:ext cx="6893577" cy="970620"/>
+          </a:xfrm>
+          <a:prstGeom prst="rect">
+            <a:avLst/>
+          </a:prstGeom>
+          <a:solidFill>
+            <a:schemeClr val="accent1">
+              <a:lumMod val="20000"/>
+              <a:lumOff val="80000"/>
+            </a:schemeClr>
+          </a:solidFill>
+          <a:ln w="25400" cap="flat" cmpd="sng" algn="ctr">
+            <a:solidFill>
+              <a:schemeClr val="accent1"/>
+            </a:solidFill>
+            <a:prstDash val="solid"/>
+          </a:ln>
+          <a:effectLst/>
+        </p:spPr>
+        <p:txBody>
+          <a:bodyPr rtlCol="0" anchor="ctr"/>
+          <a:lstStyle/>
+          <a:p>
+            <a:pPr marL="0" marR="0" lvl="0" indent="0" algn="ctr" defTabSz="914400" eaLnBrk="1" fontAlgn="auto" latinLnBrk="0" hangingPunct="1">
+              <a:lnSpc>
+                <a:spcPct val="100000"/>
+              </a:lnSpc>
+              <a:spcBef>
+                <a:spcPts val="0"/>
+              </a:spcBef>
+              <a:spcAft>
+                <a:spcPts val="0"/>
+              </a:spcAft>
+              <a:buClrTx/>
+              <a:buSzTx/>
+              <a:buFontTx/>
+              <a:buNone/>
+              <a:tabLst/>
+              <a:defRPr/>
+            </a:pPr>
+            <a:r>
+              <a:rPr kumimoji="0" lang="en-US" sz="1800" b="0" i="0" u="none" strike="noStrike" kern="0" cap="none" spc="0" normalizeH="0" baseline="0" noProof="0" dirty="0" smtClean="0">
+                <a:ln>
+                  <a:noFill/>
+                </a:ln>
+                <a:solidFill>
+                  <a:sysClr val="window" lastClr="FFFFFF"/>
+                </a:solidFill>
+                <a:effectLst/>
+                <a:uLnTx/>
+                <a:uFillTx/>
+                <a:latin typeface="Arial" pitchFamily="34" charset="0"/>
+                <a:ea typeface="+mn-ea"/>
+                <a:cs typeface="Arial" pitchFamily="34" charset="0"/>
+              </a:rPr>
+              <a:t> </a:t>
+            </a:r>
+            <a:endParaRPr kumimoji="0" lang="en-US" sz="1800" b="0" i="0" u="none" strike="noStrike" kern="0" cap="none" spc="0" normalizeH="0" baseline="0" noProof="0" dirty="0">
+              <a:ln>
+                <a:noFill/>
+              </a:ln>
+              <a:solidFill>
+                <a:sysClr val="window" lastClr="FFFFFF"/>
+              </a:solidFill>
+              <a:effectLst/>
+              <a:uLnTx/>
+              <a:uFillTx/>
+              <a:latin typeface="Arial" pitchFamily="34" charset="0"/>
+              <a:ea typeface="+mn-ea"/>
+              <a:cs typeface="Arial" pitchFamily="34" charset="0"/>
+            </a:endParaRPr>
+          </a:p>
+        </p:txBody>
+      </p:sp>
+      <p:sp>
+        <p:nvSpPr>
+          <p:cNvPr id="12" name="Rectangle 11"/>
+          <p:cNvSpPr/>
+          <p:nvPr/>
+        </p:nvSpPr>
+        <p:spPr>
+          <a:xfrm>
+            <a:off x="1447800" y="1267809"/>
+            <a:ext cx="6909163" cy="1303941"/>
+          </a:xfrm>
+          <a:prstGeom prst="rect">
+            <a:avLst/>
+          </a:prstGeom>
+          <a:solidFill>
+            <a:schemeClr val="accent1">
+              <a:lumMod val="20000"/>
+              <a:lumOff val="80000"/>
+            </a:schemeClr>
+          </a:solidFill>
+          <a:ln w="25400" cap="flat" cmpd="sng" algn="ctr">
+            <a:solidFill>
+              <a:schemeClr val="accent1"/>
+            </a:solidFill>
+            <a:prstDash val="solid"/>
+          </a:ln>
+          <a:effectLst/>
+        </p:spPr>
+        <p:txBody>
+          <a:bodyPr rtlCol="0" anchor="ctr"/>
+          <a:lstStyle/>
+          <a:p>
+            <a:pPr marL="0" marR="0" lvl="0" indent="0" algn="ctr" defTabSz="914400" eaLnBrk="1" fontAlgn="auto" latinLnBrk="0" hangingPunct="1">
+              <a:lnSpc>
+                <a:spcPct val="100000"/>
+              </a:lnSpc>
+              <a:spcBef>
+                <a:spcPts val="0"/>
+              </a:spcBef>
+              <a:spcAft>
+                <a:spcPts val="0"/>
+              </a:spcAft>
+              <a:buClrTx/>
+              <a:buSzTx/>
+              <a:buFontTx/>
+              <a:buNone/>
+              <a:tabLst/>
+              <a:defRPr/>
+            </a:pPr>
+            <a:r>
+              <a:rPr kumimoji="0" lang="en-US" sz="1800" b="0" i="0" u="none" strike="noStrike" kern="0" cap="none" spc="0" normalizeH="0" baseline="0" noProof="0" dirty="0" smtClean="0">
+                <a:ln>
+                  <a:noFill/>
+                </a:ln>
+                <a:solidFill>
+                  <a:sysClr val="window" lastClr="FFFFFF"/>
+                </a:solidFill>
+                <a:effectLst/>
+                <a:uLnTx/>
+                <a:uFillTx/>
+                <a:latin typeface="Arial" pitchFamily="34" charset="0"/>
+                <a:ea typeface="+mn-ea"/>
+                <a:cs typeface="Arial" pitchFamily="34" charset="0"/>
+              </a:rPr>
+              <a:t> </a:t>
+            </a:r>
+            <a:endParaRPr kumimoji="0" lang="en-US" sz="1800" b="0" i="0" u="none" strike="noStrike" kern="0" cap="none" spc="0" normalizeH="0" baseline="0" noProof="0" dirty="0">
+              <a:ln>
+                <a:noFill/>
+              </a:ln>
+              <a:solidFill>
+                <a:sysClr val="window" lastClr="FFFFFF"/>
+              </a:solidFill>
+              <a:effectLst/>
+              <a:uLnTx/>
+              <a:uFillTx/>
+              <a:latin typeface="Arial" pitchFamily="34" charset="0"/>
+              <a:ea typeface="+mn-ea"/>
+              <a:cs typeface="Arial" pitchFamily="34" charset="0"/>
+            </a:endParaRPr>
+          </a:p>
+        </p:txBody>
+      </p:sp>
+      <p:sp>
+        <p:nvSpPr>
+          <p:cNvPr id="13" name="TextBox 12"/>
+          <p:cNvSpPr txBox="1"/>
+          <p:nvPr/>
+        </p:nvSpPr>
+        <p:spPr>
+          <a:xfrm>
+            <a:off x="1676400" y="1295221"/>
+            <a:ext cx="6680563" cy="1200329"/>
+          </a:xfrm>
+          <a:prstGeom prst="rect">
+            <a:avLst/>
+          </a:prstGeom>
+          <a:noFill/>
+        </p:spPr>
+        <p:txBody>
+          <a:bodyPr wrap="square" rtlCol="0">
+            <a:spAutoFit/>
+          </a:bodyPr>
+          <a:lstStyle/>
+          <a:p>
+            <a:r>
+              <a:rPr lang="ru-RU" sz="2400" dirty="0" smtClean="0"/>
+              <a:t>Проанализировать частотно-временные параметры </a:t>
+            </a:r>
+            <a:r>
+              <a:rPr lang="ru-RU" sz="2400" dirty="0"/>
+              <a:t>нормальной и патологической активности в сигналах </a:t>
+            </a:r>
+            <a:r>
+              <a:rPr lang="ru-RU" sz="2400" dirty="0" smtClean="0"/>
+              <a:t>ЭЭГ и методы анализа</a:t>
+            </a:r>
+            <a:endParaRPr lang="en-US" sz="2300" dirty="0">
+              <a:latin typeface="Arial" pitchFamily="34" charset="0"/>
+              <a:cs typeface="Arial" pitchFamily="34" charset="0"/>
+            </a:endParaRPr>
+          </a:p>
+        </p:txBody>
+      </p:sp>
+      <p:sp>
+        <p:nvSpPr>
+          <p:cNvPr id="14" name="Rectangle 13"/>
+          <p:cNvSpPr/>
+          <p:nvPr/>
+        </p:nvSpPr>
+        <p:spPr>
+          <a:xfrm>
+            <a:off x="228600" y="1420209"/>
+            <a:ext cx="792272" cy="618141"/>
+          </a:xfrm>
+          <a:prstGeom prst="rect">
+            <a:avLst/>
+          </a:prstGeom>
+          <a:solidFill>
+            <a:schemeClr val="accent1"/>
+          </a:solidFill>
+          <a:ln w="25400" cap="flat" cmpd="sng" algn="ctr">
+            <a:solidFill>
+              <a:schemeClr val="accent1">
+                <a:lumMod val="50000"/>
+              </a:schemeClr>
+            </a:solidFill>
+            <a:prstDash val="solid"/>
+          </a:ln>
+          <a:effectLst/>
+        </p:spPr>
+        <p:txBody>
+          <a:bodyPr rtlCol="0" anchor="ctr"/>
+          <a:lstStyle/>
+          <a:p>
+            <a:pPr marL="0" marR="0" lvl="0" indent="0" algn="ctr" defTabSz="914400" eaLnBrk="1" fontAlgn="auto" latinLnBrk="0" hangingPunct="1">
+              <a:lnSpc>
+                <a:spcPct val="100000"/>
+              </a:lnSpc>
+              <a:spcBef>
+                <a:spcPts val="0"/>
+              </a:spcBef>
+              <a:spcAft>
+                <a:spcPts val="0"/>
+              </a:spcAft>
+              <a:buClrTx/>
+              <a:buSzTx/>
+              <a:buFontTx/>
+              <a:buNone/>
+              <a:tabLst/>
+              <a:defRPr/>
+            </a:pPr>
+            <a:r>
+              <a:rPr kumimoji="0" lang="ru-RU" sz="2400" b="1" i="0" u="none" strike="noStrike" kern="0" cap="none" spc="0" normalizeH="0" baseline="0" noProof="0" dirty="0" smtClean="0">
+                <a:ln>
+                  <a:noFill/>
+                </a:ln>
+                <a:solidFill>
+                  <a:sysClr val="window" lastClr="FFFFFF"/>
+                </a:solidFill>
+                <a:effectLst>
+                  <a:outerShdw blurRad="38100" dist="38100" dir="2700000" algn="tl">
+                    <a:srgbClr val="000000">
+                      <a:alpha val="43137"/>
+                    </a:srgbClr>
+                  </a:outerShdw>
+                </a:effectLst>
+                <a:uLnTx/>
+                <a:uFillTx/>
+                <a:latin typeface="Arial" pitchFamily="34" charset="0"/>
+                <a:ea typeface="+mn-ea"/>
+                <a:cs typeface="Arial" pitchFamily="34" charset="0"/>
+              </a:rPr>
+              <a:t>1</a:t>
+            </a:r>
+            <a:endParaRPr kumimoji="0" lang="en-US" sz="2400" b="1" i="0" u="none" strike="noStrike" kern="0" cap="none" spc="0" normalizeH="0" baseline="0" noProof="0" dirty="0">
+              <a:ln>
+                <a:noFill/>
+              </a:ln>
+              <a:solidFill>
+                <a:sysClr val="window" lastClr="FFFFFF"/>
+              </a:solidFill>
+              <a:effectLst>
+                <a:outerShdw blurRad="38100" dist="38100" dir="2700000" algn="tl">
+                  <a:srgbClr val="000000">
+                    <a:alpha val="43137"/>
+                  </a:srgbClr>
+                </a:outerShdw>
+              </a:effectLst>
+              <a:uLnTx/>
+              <a:uFillTx/>
+              <a:latin typeface="Arial" pitchFamily="34" charset="0"/>
+              <a:ea typeface="+mn-ea"/>
+              <a:cs typeface="Arial" pitchFamily="34" charset="0"/>
+            </a:endParaRPr>
+          </a:p>
+        </p:txBody>
+      </p:sp>
+      <p:sp>
+        <p:nvSpPr>
+          <p:cNvPr id="16" name="TextBox 15"/>
+          <p:cNvSpPr txBox="1"/>
+          <p:nvPr/>
+        </p:nvSpPr>
+        <p:spPr>
+          <a:xfrm>
+            <a:off x="1676400" y="2731353"/>
+            <a:ext cx="6553200" cy="830997"/>
+          </a:xfrm>
+          <a:prstGeom prst="rect">
+            <a:avLst/>
+          </a:prstGeom>
+          <a:noFill/>
+        </p:spPr>
+        <p:txBody>
+          <a:bodyPr wrap="square" rtlCol="0">
+            <a:spAutoFit/>
+          </a:bodyPr>
+          <a:lstStyle/>
+          <a:p>
+            <a:r>
+              <a:rPr lang="ru-RU" sz="2400" dirty="0" smtClean="0"/>
+              <a:t>Разработать методику </a:t>
+            </a:r>
+            <a:r>
+              <a:rPr lang="ru-RU" sz="2400" dirty="0"/>
+              <a:t>поиска паттернов патологической активности в сигналах ЭЭГ</a:t>
+            </a:r>
+            <a:endParaRPr lang="en-US" sz="2300" dirty="0">
+              <a:latin typeface="Arial" pitchFamily="34" charset="0"/>
+              <a:cs typeface="Arial" pitchFamily="34" charset="0"/>
+            </a:endParaRPr>
+          </a:p>
+        </p:txBody>
+      </p:sp>
+      <p:sp>
+        <p:nvSpPr>
+          <p:cNvPr id="17" name="Rectangle 4"/>
+          <p:cNvSpPr/>
+          <p:nvPr/>
+        </p:nvSpPr>
+        <p:spPr>
+          <a:xfrm>
+            <a:off x="228600" y="2881893"/>
             <a:ext cx="792272" cy="618141"/>
           </a:xfrm>
           <a:prstGeom prst="rect">
@@ -4416,13 +6278,133 @@
       </p:sp>
       <p:sp>
         <p:nvSpPr>
-          <p:cNvPr id="7" name="Rectangle 6"/>
+          <p:cNvPr id="19" name="Rectangle 7"/>
           <p:cNvSpPr/>
           <p:nvPr/>
         </p:nvSpPr>
         <p:spPr>
           <a:xfrm>
-            <a:off x="1219200" y="3112786"/>
+            <a:off x="1463384" y="3867150"/>
+            <a:ext cx="6893577" cy="1143000"/>
+          </a:xfrm>
+          <a:prstGeom prst="rect">
+            <a:avLst/>
+          </a:prstGeom>
+          <a:solidFill>
+            <a:schemeClr val="accent1">
+              <a:lumMod val="20000"/>
+              <a:lumOff val="80000"/>
+            </a:schemeClr>
+          </a:solidFill>
+          <a:ln w="25400" cap="flat" cmpd="sng" algn="ctr">
+            <a:solidFill>
+              <a:schemeClr val="accent1"/>
+            </a:solidFill>
+            <a:prstDash val="solid"/>
+          </a:ln>
+          <a:effectLst/>
+        </p:spPr>
+        <p:txBody>
+          <a:bodyPr rtlCol="0" anchor="ctr"/>
+          <a:lstStyle/>
+          <a:p>
+            <a:pPr marL="0" marR="0" lvl="0" indent="0" algn="ctr" defTabSz="914400" eaLnBrk="1" fontAlgn="auto" latinLnBrk="0" hangingPunct="1">
+              <a:lnSpc>
+                <a:spcPct val="100000"/>
+              </a:lnSpc>
+              <a:spcBef>
+                <a:spcPts val="0"/>
+              </a:spcBef>
+              <a:spcAft>
+                <a:spcPts val="0"/>
+              </a:spcAft>
+              <a:buClrTx/>
+              <a:buSzTx/>
+              <a:buFontTx/>
+              <a:buNone/>
+              <a:tabLst/>
+              <a:defRPr/>
+            </a:pPr>
+            <a:r>
+              <a:rPr kumimoji="0" lang="en-US" sz="1800" b="0" i="0" u="none" strike="noStrike" kern="0" cap="none" spc="0" normalizeH="0" baseline="0" noProof="0" dirty="0" smtClean="0">
+                <a:ln>
+                  <a:noFill/>
+                </a:ln>
+                <a:solidFill>
+                  <a:sysClr val="window" lastClr="FFFFFF"/>
+                </a:solidFill>
+                <a:effectLst/>
+                <a:uLnTx/>
+                <a:uFillTx/>
+                <a:latin typeface="Arial" pitchFamily="34" charset="0"/>
+                <a:ea typeface="+mn-ea"/>
+                <a:cs typeface="Arial" pitchFamily="34" charset="0"/>
+              </a:rPr>
+              <a:t> </a:t>
+            </a:r>
+            <a:endParaRPr kumimoji="0" lang="en-US" sz="1800" b="0" i="0" u="none" strike="noStrike" kern="0" cap="none" spc="0" normalizeH="0" baseline="0" noProof="0" dirty="0">
+              <a:ln>
+                <a:noFill/>
+              </a:ln>
+              <a:solidFill>
+                <a:sysClr val="window" lastClr="FFFFFF"/>
+              </a:solidFill>
+              <a:effectLst/>
+              <a:uLnTx/>
+              <a:uFillTx/>
+              <a:latin typeface="Arial" pitchFamily="34" charset="0"/>
+              <a:ea typeface="+mn-ea"/>
+              <a:cs typeface="Arial" pitchFamily="34" charset="0"/>
+            </a:endParaRPr>
+          </a:p>
+        </p:txBody>
+      </p:sp>
+      <p:sp>
+        <p:nvSpPr>
+          <p:cNvPr id="20" name="TextBox 19"/>
+          <p:cNvSpPr txBox="1"/>
+          <p:nvPr/>
+        </p:nvSpPr>
+        <p:spPr>
+          <a:xfrm>
+            <a:off x="1676400" y="4026753"/>
+            <a:ext cx="6553200" cy="830997"/>
+          </a:xfrm>
+          <a:prstGeom prst="rect">
+            <a:avLst/>
+          </a:prstGeom>
+          <a:noFill/>
+        </p:spPr>
+        <p:txBody>
+          <a:bodyPr wrap="square" rtlCol="0">
+            <a:spAutoFit/>
+          </a:bodyPr>
+          <a:lstStyle/>
+          <a:p>
+            <a:r>
+              <a:rPr lang="ru-RU" sz="2400" dirty="0" smtClean="0"/>
+              <a:t>Детектировать патологическую </a:t>
+            </a:r>
+            <a:r>
+              <a:rPr lang="ru-RU" sz="2400" dirty="0"/>
+              <a:t>активность в сигналах ЭЭГ по разработанной методике</a:t>
+            </a:r>
+            <a:endParaRPr lang="en-US" sz="2300" dirty="0">
+              <a:latin typeface="Arial" pitchFamily="34" charset="0"/>
+              <a:cs typeface="Arial" pitchFamily="34" charset="0"/>
+            </a:endParaRPr>
+          </a:p>
+        </p:txBody>
+      </p:sp>
+      <p:sp>
+        <p:nvSpPr>
+          <p:cNvPr id="21" name="Rectangle 6"/>
+          <p:cNvSpPr/>
+          <p:nvPr/>
+        </p:nvSpPr>
+        <p:spPr>
+          <a:xfrm>
+            <a:off x="228600" y="4034506"/>
             <a:ext cx="792272" cy="618141"/>
           </a:xfrm>
           <a:prstGeom prst="rect">
@@ -4508,433 +6490,514 @@
           </a:p>
         </p:txBody>
       </p:sp>
-      <p:sp>
-        <p:nvSpPr>
-          <p:cNvPr id="8" name="Rectangle 7"/>
-          <p:cNvSpPr/>
-          <p:nvPr/>
-        </p:nvSpPr>
-        <p:spPr>
-          <a:xfrm>
-            <a:off x="2346960" y="4062493"/>
-            <a:ext cx="5562600" cy="600581"/>
-          </a:xfrm>
-          <a:prstGeom prst="rect">
-            <a:avLst/>
-          </a:prstGeom>
-          <a:solidFill>
-            <a:schemeClr val="accent1">
-              <a:lumMod val="20000"/>
-              <a:lumOff val="80000"/>
-            </a:schemeClr>
-          </a:solidFill>
-          <a:ln w="25400" cap="flat" cmpd="sng" algn="ctr">
-            <a:solidFill>
-              <a:schemeClr val="accent1"/>
-            </a:solidFill>
-            <a:prstDash val="solid"/>
-          </a:ln>
-          <a:effectLst/>
-        </p:spPr>
-        <p:txBody>
-          <a:bodyPr rtlCol="0" anchor="ctr"/>
-          <a:lstStyle/>
-          <a:p>
-            <a:pPr marL="0" marR="0" lvl="0" indent="0" algn="ctr" defTabSz="914400" eaLnBrk="1" fontAlgn="auto" latinLnBrk="0" hangingPunct="1">
-              <a:lnSpc>
-                <a:spcPct val="100000"/>
-              </a:lnSpc>
-              <a:spcBef>
-                <a:spcPts val="0"/>
-              </a:spcBef>
-              <a:spcAft>
-                <a:spcPts val="0"/>
-              </a:spcAft>
-              <a:buClrTx/>
-              <a:buSzTx/>
-              <a:buFontTx/>
-              <a:buNone/>
-              <a:tabLst/>
-              <a:defRPr/>
-            </a:pPr>
-            <a:r>
-              <a:rPr kumimoji="0" lang="en-US" sz="1800" b="0" i="0" u="none" strike="noStrike" kern="0" cap="none" spc="0" normalizeH="0" baseline="0" noProof="0" dirty="0" smtClean="0">
-                <a:ln>
-                  <a:noFill/>
-                </a:ln>
-                <a:solidFill>
-                  <a:sysClr val="window" lastClr="FFFFFF"/>
-                </a:solidFill>
-                <a:effectLst/>
-                <a:uLnTx/>
-                <a:uFillTx/>
-                <a:latin typeface="Arial" pitchFamily="34" charset="0"/>
-                <a:ea typeface="+mn-ea"/>
-                <a:cs typeface="Arial" pitchFamily="34" charset="0"/>
-              </a:rPr>
-              <a:t> </a:t>
-            </a:r>
-            <a:endParaRPr kumimoji="0" lang="en-US" sz="1800" b="0" i="0" u="none" strike="noStrike" kern="0" cap="none" spc="0" normalizeH="0" baseline="0" noProof="0" dirty="0">
-              <a:ln>
-                <a:noFill/>
-              </a:ln>
-              <a:solidFill>
-                <a:sysClr val="window" lastClr="FFFFFF"/>
-              </a:solidFill>
-              <a:effectLst/>
-              <a:uLnTx/>
-              <a:uFillTx/>
-              <a:latin typeface="Arial" pitchFamily="34" charset="0"/>
-              <a:ea typeface="+mn-ea"/>
-              <a:cs typeface="Arial" pitchFamily="34" charset="0"/>
-            </a:endParaRPr>
-          </a:p>
-        </p:txBody>
-      </p:sp>
-      <p:sp>
-        <p:nvSpPr>
-          <p:cNvPr id="9" name="Rectangle 8"/>
-          <p:cNvSpPr/>
-          <p:nvPr/>
-        </p:nvSpPr>
-        <p:spPr>
-          <a:xfrm>
-            <a:off x="1219200" y="4053924"/>
-            <a:ext cx="792272" cy="618141"/>
-          </a:xfrm>
-          <a:prstGeom prst="rect">
-            <a:avLst/>
-          </a:prstGeom>
-          <a:solidFill>
-            <a:schemeClr val="accent1"/>
-          </a:solidFill>
-          <a:ln w="25400" cap="flat" cmpd="sng" algn="ctr">
-            <a:solidFill>
-              <a:schemeClr val="accent1">
-                <a:lumMod val="50000"/>
-              </a:schemeClr>
-            </a:solidFill>
-            <a:prstDash val="solid"/>
-          </a:ln>
-          <a:effectLst/>
-        </p:spPr>
-        <p:txBody>
-          <a:bodyPr rtlCol="0" anchor="ctr"/>
-          <a:lstStyle/>
-          <a:p>
-            <a:pPr marL="0" marR="0" lvl="0" indent="0" algn="ctr" defTabSz="914400" eaLnBrk="1" fontAlgn="auto" latinLnBrk="0" hangingPunct="1">
-              <a:lnSpc>
-                <a:spcPct val="100000"/>
-              </a:lnSpc>
-              <a:spcBef>
-                <a:spcPts val="0"/>
-              </a:spcBef>
-              <a:spcAft>
-                <a:spcPts val="0"/>
-              </a:spcAft>
-              <a:buClrTx/>
-              <a:buSzTx/>
-              <a:buFontTx/>
-              <a:buNone/>
-              <a:tabLst/>
-              <a:defRPr/>
-            </a:pPr>
-            <a:r>
-              <a:rPr kumimoji="0" lang="en-US" sz="2400" b="1" i="0" u="none" strike="noStrike" kern="0" cap="none" spc="0" normalizeH="0" baseline="0" noProof="0" dirty="0" smtClean="0">
-                <a:ln>
-                  <a:noFill/>
-                </a:ln>
-                <a:solidFill>
-                  <a:sysClr val="window" lastClr="FFFFFF"/>
-                </a:solidFill>
-                <a:effectLst>
-                  <a:outerShdw blurRad="38100" dist="38100" dir="2700000" algn="tl">
-                    <a:srgbClr val="000000">
-                      <a:alpha val="43137"/>
-                    </a:srgbClr>
-                  </a:outerShdw>
-                </a:effectLst>
-                <a:uLnTx/>
-                <a:uFillTx/>
-                <a:latin typeface="Arial" pitchFamily="34" charset="0"/>
-                <a:ea typeface="+mn-ea"/>
-                <a:cs typeface="Arial" pitchFamily="34" charset="0"/>
-              </a:rPr>
-              <a:t>4</a:t>
-            </a:r>
-            <a:endParaRPr kumimoji="0" lang="en-US" sz="2400" b="1" i="0" u="none" strike="noStrike" kern="0" cap="none" spc="0" normalizeH="0" baseline="0" noProof="0" dirty="0">
-              <a:ln>
-                <a:noFill/>
-              </a:ln>
-              <a:solidFill>
-                <a:sysClr val="window" lastClr="FFFFFF"/>
-              </a:solidFill>
-              <a:effectLst>
-                <a:outerShdw blurRad="38100" dist="38100" dir="2700000" algn="tl">
-                  <a:srgbClr val="000000">
-                    <a:alpha val="43137"/>
-                  </a:srgbClr>
-                </a:outerShdw>
-              </a:effectLst>
-              <a:uLnTx/>
-              <a:uFillTx/>
-              <a:latin typeface="Arial" pitchFamily="34" charset="0"/>
-              <a:ea typeface="+mn-ea"/>
-              <a:cs typeface="Arial" pitchFamily="34" charset="0"/>
-            </a:endParaRPr>
-          </a:p>
-        </p:txBody>
-      </p:sp>
-      <p:sp>
-        <p:nvSpPr>
-          <p:cNvPr id="12" name="Rectangle 11"/>
-          <p:cNvSpPr/>
-          <p:nvPr/>
-        </p:nvSpPr>
-        <p:spPr>
-          <a:xfrm>
-            <a:off x="2354580" y="1208719"/>
-            <a:ext cx="6027420" cy="893779"/>
-          </a:xfrm>
-          <a:prstGeom prst="rect">
-            <a:avLst/>
-          </a:prstGeom>
-          <a:solidFill>
-            <a:schemeClr val="accent1">
-              <a:lumMod val="20000"/>
-              <a:lumOff val="80000"/>
-            </a:schemeClr>
-          </a:solidFill>
-          <a:ln w="25400" cap="flat" cmpd="sng" algn="ctr">
-            <a:solidFill>
-              <a:schemeClr val="accent1"/>
-            </a:solidFill>
-            <a:prstDash val="solid"/>
-          </a:ln>
-          <a:effectLst/>
-        </p:spPr>
-        <p:txBody>
-          <a:bodyPr rtlCol="0" anchor="ctr"/>
-          <a:lstStyle/>
-          <a:p>
-            <a:pPr marL="0" marR="0" lvl="0" indent="0" algn="ctr" defTabSz="914400" eaLnBrk="1" fontAlgn="auto" latinLnBrk="0" hangingPunct="1">
-              <a:lnSpc>
-                <a:spcPct val="100000"/>
-              </a:lnSpc>
-              <a:spcBef>
-                <a:spcPts val="0"/>
-              </a:spcBef>
-              <a:spcAft>
-                <a:spcPts val="0"/>
-              </a:spcAft>
-              <a:buClrTx/>
-              <a:buSzTx/>
-              <a:buFontTx/>
-              <a:buNone/>
-              <a:tabLst/>
-              <a:defRPr/>
-            </a:pPr>
-            <a:r>
-              <a:rPr kumimoji="0" lang="en-US" sz="1800" b="0" i="0" u="none" strike="noStrike" kern="0" cap="none" spc="0" normalizeH="0" baseline="0" noProof="0" dirty="0" smtClean="0">
-                <a:ln>
-                  <a:noFill/>
-                </a:ln>
-                <a:solidFill>
-                  <a:sysClr val="window" lastClr="FFFFFF"/>
-                </a:solidFill>
-                <a:effectLst/>
-                <a:uLnTx/>
-                <a:uFillTx/>
-                <a:latin typeface="Arial" pitchFamily="34" charset="0"/>
-                <a:ea typeface="+mn-ea"/>
-                <a:cs typeface="Arial" pitchFamily="34" charset="0"/>
-              </a:rPr>
-              <a:t> </a:t>
-            </a:r>
-            <a:endParaRPr kumimoji="0" lang="en-US" sz="1800" b="0" i="0" u="none" strike="noStrike" kern="0" cap="none" spc="0" normalizeH="0" baseline="0" noProof="0" dirty="0">
-              <a:ln>
-                <a:noFill/>
-              </a:ln>
-              <a:solidFill>
-                <a:sysClr val="window" lastClr="FFFFFF"/>
-              </a:solidFill>
-              <a:effectLst/>
-              <a:uLnTx/>
-              <a:uFillTx/>
-              <a:latin typeface="Arial" pitchFamily="34" charset="0"/>
-              <a:ea typeface="+mn-ea"/>
-              <a:cs typeface="Arial" pitchFamily="34" charset="0"/>
-            </a:endParaRPr>
-          </a:p>
-        </p:txBody>
-      </p:sp>
-      <p:sp>
-        <p:nvSpPr>
-          <p:cNvPr id="13" name="TextBox 12"/>
-          <p:cNvSpPr txBox="1"/>
-          <p:nvPr/>
-        </p:nvSpPr>
-        <p:spPr>
-          <a:xfrm>
-            <a:off x="2608580" y="1267399"/>
-            <a:ext cx="4421809" cy="1569660"/>
-          </a:xfrm>
-          <a:prstGeom prst="rect">
-            <a:avLst/>
-          </a:prstGeom>
-          <a:noFill/>
-        </p:spPr>
-        <p:txBody>
-          <a:bodyPr wrap="square" rtlCol="0">
-            <a:spAutoFit/>
-          </a:bodyPr>
-          <a:lstStyle/>
-          <a:p>
-            <a:r>
-              <a:rPr lang="ru-RU" sz="2400" dirty="0"/>
-              <a:t>проводился анализ частотно-временных параметров нормальной и патологической активности в сигналах ЭЭГ</a:t>
-            </a:r>
-            <a:endParaRPr lang="en-US" sz="2300" dirty="0">
-              <a:latin typeface="Arial" pitchFamily="34" charset="0"/>
-              <a:cs typeface="Arial" pitchFamily="34" charset="0"/>
-            </a:endParaRPr>
-          </a:p>
-        </p:txBody>
-      </p:sp>
-      <p:sp>
-        <p:nvSpPr>
-          <p:cNvPr id="14" name="Rectangle 13"/>
-          <p:cNvSpPr/>
-          <p:nvPr/>
-        </p:nvSpPr>
-        <p:spPr>
-          <a:xfrm>
-            <a:off x="1226820" y="1200150"/>
-            <a:ext cx="792272" cy="618141"/>
-          </a:xfrm>
-          <a:prstGeom prst="rect">
-            <a:avLst/>
-          </a:prstGeom>
-          <a:solidFill>
-            <a:schemeClr val="accent1"/>
-          </a:solidFill>
-          <a:ln w="25400" cap="flat" cmpd="sng" algn="ctr">
-            <a:solidFill>
-              <a:schemeClr val="accent1">
-                <a:lumMod val="50000"/>
-              </a:schemeClr>
-            </a:solidFill>
-            <a:prstDash val="solid"/>
-          </a:ln>
-          <a:effectLst/>
-        </p:spPr>
-        <p:txBody>
-          <a:bodyPr rtlCol="0" anchor="ctr"/>
-          <a:lstStyle/>
-          <a:p>
-            <a:pPr marL="0" marR="0" lvl="0" indent="0" algn="ctr" defTabSz="914400" eaLnBrk="1" fontAlgn="auto" latinLnBrk="0" hangingPunct="1">
-              <a:lnSpc>
-                <a:spcPct val="100000"/>
-              </a:lnSpc>
-              <a:spcBef>
-                <a:spcPts val="0"/>
-              </a:spcBef>
-              <a:spcAft>
-                <a:spcPts val="0"/>
-              </a:spcAft>
-              <a:buClrTx/>
-              <a:buSzTx/>
-              <a:buFontTx/>
-              <a:buNone/>
-              <a:tabLst/>
-              <a:defRPr/>
-            </a:pPr>
-            <a:r>
-              <a:rPr kumimoji="0" lang="ru-RU" sz="2400" b="1" i="0" u="none" strike="noStrike" kern="0" cap="none" spc="0" normalizeH="0" baseline="0" noProof="0" dirty="0" smtClean="0">
-                <a:ln>
-                  <a:noFill/>
-                </a:ln>
-                <a:solidFill>
-                  <a:sysClr val="window" lastClr="FFFFFF"/>
-                </a:solidFill>
-                <a:effectLst>
-                  <a:outerShdw blurRad="38100" dist="38100" dir="2700000" algn="tl">
-                    <a:srgbClr val="000000">
-                      <a:alpha val="43137"/>
-                    </a:srgbClr>
-                  </a:outerShdw>
-                </a:effectLst>
-                <a:uLnTx/>
-                <a:uFillTx/>
-                <a:latin typeface="Arial" pitchFamily="34" charset="0"/>
-                <a:ea typeface="+mn-ea"/>
-                <a:cs typeface="Arial" pitchFamily="34" charset="0"/>
-              </a:rPr>
-              <a:t>1</a:t>
-            </a:r>
-            <a:endParaRPr kumimoji="0" lang="en-US" sz="2400" b="1" i="0" u="none" strike="noStrike" kern="0" cap="none" spc="0" normalizeH="0" baseline="0" noProof="0" dirty="0">
-              <a:ln>
-                <a:noFill/>
-              </a:ln>
-              <a:solidFill>
-                <a:sysClr val="window" lastClr="FFFFFF"/>
-              </a:solidFill>
-              <a:effectLst>
-                <a:outerShdw blurRad="38100" dist="38100" dir="2700000" algn="tl">
-                  <a:srgbClr val="000000">
-                    <a:alpha val="43137"/>
-                  </a:srgbClr>
-                </a:outerShdw>
-              </a:effectLst>
-              <a:uLnTx/>
-              <a:uFillTx/>
-              <a:latin typeface="Arial" pitchFamily="34" charset="0"/>
-              <a:ea typeface="+mn-ea"/>
-              <a:cs typeface="Arial" pitchFamily="34" charset="0"/>
-            </a:endParaRPr>
-          </a:p>
-        </p:txBody>
-      </p:sp>
-      <p:sp>
-        <p:nvSpPr>
-          <p:cNvPr id="16" name="TextBox 15"/>
-          <p:cNvSpPr txBox="1"/>
-          <p:nvPr/>
-        </p:nvSpPr>
-        <p:spPr>
-          <a:xfrm>
-            <a:off x="2600960" y="4148436"/>
-            <a:ext cx="4494695" cy="444509"/>
-          </a:xfrm>
-          <a:prstGeom prst="rect">
-            <a:avLst/>
-          </a:prstGeom>
-          <a:noFill/>
-        </p:spPr>
-        <p:txBody>
-          <a:bodyPr wrap="square" rtlCol="0">
-            <a:spAutoFit/>
-          </a:bodyPr>
-          <a:lstStyle/>
-          <a:p>
-            <a:r>
-              <a:rPr lang="en-US" sz="2300" dirty="0" smtClean="0">
-                <a:latin typeface="Arial" pitchFamily="34" charset="0"/>
-                <a:cs typeface="Arial" pitchFamily="34" charset="0"/>
-              </a:rPr>
-              <a:t>Fourth Place - Your text here</a:t>
-            </a:r>
-            <a:endParaRPr lang="en-US" sz="2300" dirty="0">
-              <a:latin typeface="Arial" pitchFamily="34" charset="0"/>
-              <a:cs typeface="Arial" pitchFamily="34" charset="0"/>
-            </a:endParaRPr>
-          </a:p>
-        </p:txBody>
-      </p:sp>
     </p:spTree>
     <p:extLst>
       <p:ext uri="{BB962C8B-B14F-4D97-AF65-F5344CB8AC3E}">
-        <p14:creationId xmlns:p14="http://schemas.microsoft.com/office/powerpoint/2010/main" val="1497276888"/>
+        <p14:creationId xmlns:p14="http://schemas.microsoft.com/office/powerpoint/2010/main" val="935866129"/>
+      </p:ext>
+    </p:extLst>
+  </p:cSld>
+  <p:clrMapOvr>
+    <a:masterClrMapping/>
+  </p:clrMapOvr>
+</p:sld>
+</file>
+
+<file path=ppt/slides/slide6.xml><?xml version="1.0" encoding="utf-8"?>
+<p:sld xmlns:a="http://schemas.openxmlformats.org/drawingml/2006/main" xmlns:r="http://schemas.openxmlformats.org/officeDocument/2006/relationships" xmlns:p="http://schemas.openxmlformats.org/presentationml/2006/main">
+  <p:cSld>
+    <p:spTree>
+      <p:nvGrpSpPr>
+        <p:cNvPr id="1" name=""/>
+        <p:cNvGrpSpPr/>
+        <p:nvPr/>
+      </p:nvGrpSpPr>
+      <p:grpSpPr>
+        <a:xfrm>
+          <a:off x="0" y="0"/>
+          <a:ext cx="0" cy="0"/>
+          <a:chOff x="0" y="0"/>
+          <a:chExt cx="0" cy="0"/>
+        </a:xfrm>
+      </p:grpSpPr>
+      <p:sp>
+        <p:nvSpPr>
+          <p:cNvPr id="2" name="Title 1"/>
+          <p:cNvSpPr>
+            <a:spLocks noGrp="1"/>
+          </p:cNvSpPr>
+          <p:nvPr>
+            <p:ph type="title"/>
+          </p:nvPr>
+        </p:nvSpPr>
+        <p:spPr/>
+        <p:txBody>
+          <a:bodyPr/>
+          <a:lstStyle/>
+          <a:p>
+            <a:r>
+              <a:rPr lang="ru-RU" dirty="0" smtClean="0"/>
+              <a:t>Электроэнцефалография </a:t>
+            </a:r>
+            <a:r>
+              <a:rPr lang="ru-RU" dirty="0"/>
+              <a:t>(ЭЭГ) </a:t>
+            </a:r>
+            <a:r>
+              <a:rPr lang="ru-RU" dirty="0" smtClean="0"/>
+              <a:t>- </a:t>
+            </a:r>
+            <a:endParaRPr lang="en-US" dirty="0"/>
+          </a:p>
+        </p:txBody>
+      </p:sp>
+      <p:sp>
+        <p:nvSpPr>
+          <p:cNvPr id="3" name="Content Placeholder 2"/>
+          <p:cNvSpPr>
+            <a:spLocks noGrp="1"/>
+          </p:cNvSpPr>
+          <p:nvPr>
+            <p:ph idx="1"/>
+          </p:nvPr>
+        </p:nvSpPr>
+        <p:spPr/>
+        <p:txBody>
+          <a:bodyPr>
+            <a:normAutofit/>
+          </a:bodyPr>
+          <a:lstStyle/>
+          <a:p>
+            <a:pPr marL="0" indent="0" algn="ctr">
+              <a:buNone/>
+            </a:pPr>
+            <a:r>
+              <a:rPr lang="ru-RU" dirty="0"/>
+              <a:t>метод исследования деятельности головного мозга, основанный на суммарной регистрации биоэлектрической активности </a:t>
+            </a:r>
+            <a:endParaRPr lang="ru-RU" dirty="0" smtClean="0"/>
+          </a:p>
+          <a:p>
+            <a:pPr marL="0" indent="0" algn="ctr">
+              <a:buNone/>
+            </a:pPr>
+            <a:r>
+              <a:rPr lang="ru-RU" dirty="0" smtClean="0"/>
+              <a:t>отдельных </a:t>
+            </a:r>
+            <a:r>
+              <a:rPr lang="ru-RU" dirty="0"/>
+              <a:t>его зон и областей</a:t>
+            </a:r>
+            <a:endParaRPr lang="en-US" dirty="0">
+              <a:solidFill>
+                <a:srgbClr val="FFFF00"/>
+              </a:solidFill>
+            </a:endParaRPr>
+          </a:p>
+        </p:txBody>
+      </p:sp>
+    </p:spTree>
+    <p:extLst>
+      <p:ext uri="{BB962C8B-B14F-4D97-AF65-F5344CB8AC3E}">
+        <p14:creationId xmlns:p14="http://schemas.microsoft.com/office/powerpoint/2010/main" val="174179575"/>
+      </p:ext>
+    </p:extLst>
+  </p:cSld>
+  <p:clrMapOvr>
+    <a:masterClrMapping/>
+  </p:clrMapOvr>
+</p:sld>
+</file>
+
+<file path=ppt/slides/slide7.xml><?xml version="1.0" encoding="utf-8"?>
+<p:sld xmlns:a="http://schemas.openxmlformats.org/drawingml/2006/main" xmlns:r="http://schemas.openxmlformats.org/officeDocument/2006/relationships" xmlns:p="http://schemas.openxmlformats.org/presentationml/2006/main">
+  <p:cSld>
+    <p:spTree>
+      <p:nvGrpSpPr>
+        <p:cNvPr id="1" name=""/>
+        <p:cNvGrpSpPr/>
+        <p:nvPr/>
+      </p:nvGrpSpPr>
+      <p:grpSpPr>
+        <a:xfrm>
+          <a:off x="0" y="0"/>
+          <a:ext cx="0" cy="0"/>
+          <a:chOff x="0" y="0"/>
+          <a:chExt cx="0" cy="0"/>
+        </a:xfrm>
+      </p:grpSpPr>
+      <p:sp>
+        <p:nvSpPr>
+          <p:cNvPr id="2" name="Title 1"/>
+          <p:cNvSpPr>
+            <a:spLocks noGrp="1"/>
+          </p:cNvSpPr>
+          <p:nvPr>
+            <p:ph type="title"/>
+          </p:nvPr>
+        </p:nvSpPr>
+        <p:spPr/>
+        <p:txBody>
+          <a:bodyPr/>
+          <a:lstStyle/>
+          <a:p>
+            <a:endParaRPr lang="en-US" dirty="0"/>
+          </a:p>
+        </p:txBody>
+      </p:sp>
+      <p:sp>
+        <p:nvSpPr>
+          <p:cNvPr id="3" name="Content Placeholder 2"/>
+          <p:cNvSpPr>
+            <a:spLocks noGrp="1"/>
+          </p:cNvSpPr>
+          <p:nvPr>
+            <p:ph idx="1"/>
+          </p:nvPr>
+        </p:nvSpPr>
+        <p:spPr/>
+        <p:txBody>
+          <a:bodyPr>
+            <a:normAutofit fontScale="92500" lnSpcReduction="10000"/>
+          </a:bodyPr>
+          <a:lstStyle/>
+          <a:p>
+            <a:pPr marL="0" indent="0" algn="ctr">
+              <a:buNone/>
+            </a:pPr>
+            <a:r>
+              <a:rPr lang="ru-RU" dirty="0"/>
+              <a:t>Сигнал ЭЭГ представляет собой сложный случайный колебательный электрический процесс, который характеризуется частотой, амплитудой и фазой. Поэтому на каждом участке записи встречаются волны различных частот, и смыслом анализа является выделение частотных ритмов из </a:t>
+            </a:r>
+            <a:r>
+              <a:rPr lang="ru-RU" dirty="0" err="1"/>
+              <a:t>энцефалографического</a:t>
+            </a:r>
+            <a:r>
+              <a:rPr lang="ru-RU" dirty="0"/>
+              <a:t> сигнала</a:t>
+            </a:r>
+            <a:endParaRPr lang="en-US" dirty="0">
+              <a:solidFill>
+                <a:srgbClr val="FFFF00"/>
+              </a:solidFill>
+            </a:endParaRPr>
+          </a:p>
+        </p:txBody>
+      </p:sp>
+    </p:spTree>
+    <p:extLst>
+      <p:ext uri="{BB962C8B-B14F-4D97-AF65-F5344CB8AC3E}">
+        <p14:creationId xmlns:p14="http://schemas.microsoft.com/office/powerpoint/2010/main" val="473149606"/>
+      </p:ext>
+    </p:extLst>
+  </p:cSld>
+  <p:clrMapOvr>
+    <a:masterClrMapping/>
+  </p:clrMapOvr>
+</p:sld>
+</file>
+
+<file path=ppt/slides/slide8.xml><?xml version="1.0" encoding="utf-8"?>
+<p:sld xmlns:a="http://schemas.openxmlformats.org/drawingml/2006/main" xmlns:r="http://schemas.openxmlformats.org/officeDocument/2006/relationships" xmlns:p="http://schemas.openxmlformats.org/presentationml/2006/main">
+  <p:cSld>
+    <p:spTree>
+      <p:nvGrpSpPr>
+        <p:cNvPr id="1" name=""/>
+        <p:cNvGrpSpPr/>
+        <p:nvPr/>
+      </p:nvGrpSpPr>
+      <p:grpSpPr>
+        <a:xfrm>
+          <a:off x="0" y="0"/>
+          <a:ext cx="0" cy="0"/>
+          <a:chOff x="0" y="0"/>
+          <a:chExt cx="0" cy="0"/>
+        </a:xfrm>
+      </p:grpSpPr>
+      <p:sp>
+        <p:nvSpPr>
+          <p:cNvPr id="3" name="Content Placeholder 2"/>
+          <p:cNvSpPr>
+            <a:spLocks noGrp="1"/>
+          </p:cNvSpPr>
+          <p:nvPr>
+            <p:ph idx="1"/>
+          </p:nvPr>
+        </p:nvSpPr>
+        <p:spPr>
+          <a:xfrm>
+            <a:off x="457200" y="1200150"/>
+            <a:ext cx="8229600" cy="3733799"/>
+          </a:xfrm>
+        </p:spPr>
+        <p:txBody>
+          <a:bodyPr>
+            <a:noAutofit/>
+          </a:bodyPr>
+          <a:lstStyle/>
+          <a:p>
+            <a:pPr marL="0" indent="0" algn="just">
+              <a:buNone/>
+            </a:pPr>
+            <a:r>
+              <a:rPr lang="ru-RU" sz="2000" dirty="0"/>
+              <a:t>Выделяют три группы ЭЭГ: нормальные; пограничные между нормой и патологией; </a:t>
+            </a:r>
+            <a:r>
+              <a:rPr lang="ru-RU" sz="2000" dirty="0" smtClean="0"/>
+              <a:t>патологические.</a:t>
+            </a:r>
+          </a:p>
+          <a:p>
+            <a:pPr marL="0" indent="0" algn="just">
+              <a:buNone/>
+            </a:pPr>
+            <a:r>
+              <a:rPr lang="ru-RU" sz="2000" b="1" dirty="0"/>
+              <a:t>Нормальными</a:t>
+            </a:r>
+            <a:r>
+              <a:rPr lang="ru-RU" sz="2000" dirty="0"/>
+              <a:t> называются ЭЭГ, содержащие </a:t>
+            </a:r>
+            <a:r>
+              <a:rPr lang="ru-RU" sz="2000" i="1" dirty="0"/>
+              <a:t>α</a:t>
+            </a:r>
+            <a:r>
+              <a:rPr lang="ru-RU" sz="2000" dirty="0"/>
+              <a:t>- или </a:t>
+            </a:r>
+            <a:r>
+              <a:rPr lang="ru-RU" sz="2000" i="1" dirty="0"/>
+              <a:t>β</a:t>
+            </a:r>
+            <a:r>
+              <a:rPr lang="ru-RU" sz="2000" dirty="0"/>
+              <a:t>-ритмы, которые по амплитуде не превышают соответственно 100 и 15 мкВ в зонах их физио­логической максимальной </a:t>
+            </a:r>
+            <a:r>
+              <a:rPr lang="ru-RU" sz="2000" dirty="0" smtClean="0"/>
+              <a:t>выраженности. </a:t>
+            </a:r>
+            <a:r>
+              <a:rPr lang="ru-RU" sz="2000" dirty="0"/>
+              <a:t>ЭЭГ взрослого бодрствующего человека могут наблюдаться Δ- и Θ-волны, по амплитуде не превышающие основной ритм, не носящие характера билатерально синхронных организованных разрядов или четкой локальности и охватывающие не более 15 % общего времени </a:t>
+            </a:r>
+            <a:r>
+              <a:rPr lang="ru-RU" sz="2000" dirty="0" smtClean="0"/>
+              <a:t>записи</a:t>
+            </a:r>
+          </a:p>
+          <a:p>
+            <a:pPr marL="0" indent="0" algn="just">
+              <a:buNone/>
+            </a:pPr>
+            <a:r>
+              <a:rPr lang="ru-RU" sz="2000" b="1" dirty="0"/>
+              <a:t>Пограничными</a:t>
+            </a:r>
+            <a:r>
+              <a:rPr lang="ru-RU" sz="2000" dirty="0"/>
+              <a:t> называют ЭЭГ, выходящие за указанные рамки, но не имеющие характера явной патологической </a:t>
+            </a:r>
+            <a:r>
+              <a:rPr lang="ru-RU" sz="2000" dirty="0" smtClean="0"/>
+              <a:t>активности.</a:t>
+            </a:r>
+          </a:p>
+        </p:txBody>
+      </p:sp>
+      <p:sp>
+        <p:nvSpPr>
+          <p:cNvPr id="4" name="Заголовок 3"/>
+          <p:cNvSpPr>
+            <a:spLocks noGrp="1"/>
+          </p:cNvSpPr>
+          <p:nvPr>
+            <p:ph type="title"/>
+          </p:nvPr>
+        </p:nvSpPr>
+        <p:spPr/>
+        <p:txBody>
+          <a:bodyPr/>
+          <a:lstStyle/>
+          <a:p>
+            <a:endParaRPr lang="ru-RU"/>
+          </a:p>
+        </p:txBody>
+      </p:sp>
+    </p:spTree>
+    <p:extLst>
+      <p:ext uri="{BB962C8B-B14F-4D97-AF65-F5344CB8AC3E}">
+        <p14:creationId xmlns:p14="http://schemas.microsoft.com/office/powerpoint/2010/main" val="2193361538"/>
+      </p:ext>
+    </p:extLst>
+  </p:cSld>
+  <p:clrMapOvr>
+    <a:masterClrMapping/>
+  </p:clrMapOvr>
+</p:sld>
+</file>
+
+<file path=ppt/slides/slide9.xml><?xml version="1.0" encoding="utf-8"?>
+<p:sld xmlns:a="http://schemas.openxmlformats.org/drawingml/2006/main" xmlns:r="http://schemas.openxmlformats.org/officeDocument/2006/relationships" xmlns:p="http://schemas.openxmlformats.org/presentationml/2006/main">
+  <p:cSld>
+    <p:spTree>
+      <p:nvGrpSpPr>
+        <p:cNvPr id="1" name=""/>
+        <p:cNvGrpSpPr/>
+        <p:nvPr/>
+      </p:nvGrpSpPr>
+      <p:grpSpPr>
+        <a:xfrm>
+          <a:off x="0" y="0"/>
+          <a:ext cx="0" cy="0"/>
+          <a:chOff x="0" y="0"/>
+          <a:chExt cx="0" cy="0"/>
+        </a:xfrm>
+      </p:grpSpPr>
+      <p:sp>
+        <p:nvSpPr>
+          <p:cNvPr id="3" name="Content Placeholder 2"/>
+          <p:cNvSpPr>
+            <a:spLocks noGrp="1"/>
+          </p:cNvSpPr>
+          <p:nvPr>
+            <p:ph idx="1"/>
+          </p:nvPr>
+        </p:nvSpPr>
+        <p:spPr>
+          <a:xfrm>
+            <a:off x="457200" y="1200150"/>
+            <a:ext cx="8229600" cy="3886200"/>
+          </a:xfrm>
+        </p:spPr>
+        <p:txBody>
+          <a:bodyPr>
+            <a:normAutofit/>
+          </a:bodyPr>
+          <a:lstStyle/>
+          <a:p>
+            <a:pPr marL="0" indent="0" algn="just">
+              <a:buNone/>
+            </a:pPr>
+            <a:r>
+              <a:rPr lang="ru-RU" sz="2000" b="1" dirty="0"/>
+              <a:t>Патологическими</a:t>
+            </a:r>
+            <a:r>
+              <a:rPr lang="ru-RU" sz="2000" dirty="0"/>
+              <a:t> называют ЭЭГ, которые выходят за вышеуказанные границы</a:t>
+            </a:r>
+            <a:r>
+              <a:rPr lang="ru-RU" sz="2000" dirty="0" smtClean="0"/>
+              <a:t>:</a:t>
+            </a:r>
+          </a:p>
+          <a:p>
+            <a:pPr marL="0" indent="0">
+              <a:buNone/>
+            </a:pPr>
+            <a:r>
+              <a:rPr lang="ru-RU" sz="2000" dirty="0"/>
+              <a:t>1. </a:t>
+            </a:r>
+            <a:r>
+              <a:rPr lang="ru-RU" sz="2000" dirty="0" err="1"/>
+              <a:t>Тета</a:t>
+            </a:r>
+            <a:r>
+              <a:rPr lang="ru-RU" sz="2000" dirty="0"/>
+              <a:t> </a:t>
+            </a:r>
+            <a:r>
+              <a:rPr lang="ru-RU" sz="2000" i="1" dirty="0"/>
+              <a:t>θ</a:t>
+            </a:r>
+            <a:r>
+              <a:rPr lang="ru-RU" sz="2000" dirty="0"/>
+              <a:t>-ритм. Частота ‑ 4‑6 колебаний в 1 с, амплитуда патологического </a:t>
+            </a:r>
+            <a:r>
+              <a:rPr lang="ru-RU" sz="2000" i="1" dirty="0"/>
+              <a:t>θ</a:t>
+            </a:r>
+            <a:r>
+              <a:rPr lang="ru-RU" sz="2000" dirty="0"/>
+              <a:t>-ритма чаще всего выше амплитуды нормальной электрической активности и превышает 40 мкВ. При некоторых патологических состояниях он достигает 300 мкВ и больше.</a:t>
+            </a:r>
+          </a:p>
+          <a:p>
+            <a:pPr marL="0" indent="0">
+              <a:buNone/>
+            </a:pPr>
+            <a:r>
+              <a:rPr lang="ru-RU" sz="2000" dirty="0"/>
+              <a:t>2. Дельта </a:t>
+            </a:r>
+            <a:r>
+              <a:rPr lang="ru-RU" sz="2000" i="1" dirty="0"/>
+              <a:t>Δ</a:t>
+            </a:r>
+            <a:r>
+              <a:rPr lang="ru-RU" sz="2000" dirty="0"/>
+              <a:t>-ритм. Частота ‑ 1‑3 колебания в 1 с, амплитуда его такая же как и </a:t>
+            </a:r>
+            <a:r>
+              <a:rPr lang="ru-RU" sz="2000" i="1" dirty="0"/>
+              <a:t>θ</a:t>
+            </a:r>
+            <a:r>
+              <a:rPr lang="ru-RU" sz="2000" dirty="0"/>
+              <a:t>-ритма; Δ- и Θ-волны могут в небольшом количестве наблюдаться на ЭЭГ взрослого человека, который находится в состоянии бодрствования, при амплитуде, не превышающей </a:t>
+            </a:r>
+            <a:r>
+              <a:rPr lang="ru-RU" sz="2000" i="1" dirty="0"/>
+              <a:t>α</a:t>
+            </a:r>
+            <a:r>
+              <a:rPr lang="ru-RU" sz="2000" dirty="0"/>
+              <a:t>-ритма, что свидетельствует о некотором смещении уровня функциональной активности мозга.</a:t>
+            </a:r>
+          </a:p>
+          <a:p>
+            <a:pPr marL="0" indent="0" algn="just">
+              <a:buNone/>
+            </a:pPr>
+            <a:endParaRPr lang="en-US" sz="1500" dirty="0">
+              <a:solidFill>
+                <a:srgbClr val="FFFF00"/>
+              </a:solidFill>
+            </a:endParaRPr>
+          </a:p>
+        </p:txBody>
+      </p:sp>
+      <p:sp>
+        <p:nvSpPr>
+          <p:cNvPr id="4" name="Заголовок 3"/>
+          <p:cNvSpPr>
+            <a:spLocks noGrp="1"/>
+          </p:cNvSpPr>
+          <p:nvPr>
+            <p:ph type="title"/>
+          </p:nvPr>
+        </p:nvSpPr>
+        <p:spPr/>
+        <p:txBody>
+          <a:bodyPr/>
+          <a:lstStyle/>
+          <a:p>
+            <a:endParaRPr lang="ru-RU"/>
+          </a:p>
+        </p:txBody>
+      </p:sp>
+    </p:spTree>
+    <p:extLst>
+      <p:ext uri="{BB962C8B-B14F-4D97-AF65-F5344CB8AC3E}">
+        <p14:creationId xmlns:p14="http://schemas.microsoft.com/office/powerpoint/2010/main" val="3481530439"/>
       </p:ext>
     </p:extLst>
   </p:cSld>
